--- a/cv/CV_RWARREN_PPTanonym.pptx
+++ b/cv/CV_RWARREN_PPTanonym.pptx
@@ -288,7 +288,7 @@
           <a:p>
             <a:fld id="{12CDA68D-1A1F-6346-A281-652CBF222AD7}" type="datetimeFigureOut">
               <a:rPr lang="en-US" smtClean="0"/>
-              <a:t>19-11-10</a:t>
+              <a:t>19-11-13</a:t>
             </a:fld>
             <a:endParaRPr lang="en-US"/>
           </a:p>
@@ -458,7 +458,7 @@
           <a:p>
             <a:fld id="{12CDA68D-1A1F-6346-A281-652CBF222AD7}" type="datetimeFigureOut">
               <a:rPr lang="en-US" smtClean="0"/>
-              <a:t>19-11-10</a:t>
+              <a:t>19-11-13</a:t>
             </a:fld>
             <a:endParaRPr lang="en-US"/>
           </a:p>
@@ -638,7 +638,7 @@
           <a:p>
             <a:fld id="{12CDA68D-1A1F-6346-A281-652CBF222AD7}" type="datetimeFigureOut">
               <a:rPr lang="en-US" smtClean="0"/>
-              <a:t>19-11-10</a:t>
+              <a:t>19-11-13</a:t>
             </a:fld>
             <a:endParaRPr lang="en-US"/>
           </a:p>
@@ -808,7 +808,7 @@
           <a:p>
             <a:fld id="{12CDA68D-1A1F-6346-A281-652CBF222AD7}" type="datetimeFigureOut">
               <a:rPr lang="en-US" smtClean="0"/>
-              <a:t>19-11-10</a:t>
+              <a:t>19-11-13</a:t>
             </a:fld>
             <a:endParaRPr lang="en-US"/>
           </a:p>
@@ -1054,7 +1054,7 @@
           <a:p>
             <a:fld id="{12CDA68D-1A1F-6346-A281-652CBF222AD7}" type="datetimeFigureOut">
               <a:rPr lang="en-US" smtClean="0"/>
-              <a:t>19-11-10</a:t>
+              <a:t>19-11-13</a:t>
             </a:fld>
             <a:endParaRPr lang="en-US"/>
           </a:p>
@@ -1342,7 +1342,7 @@
           <a:p>
             <a:fld id="{12CDA68D-1A1F-6346-A281-652CBF222AD7}" type="datetimeFigureOut">
               <a:rPr lang="en-US" smtClean="0"/>
-              <a:t>19-11-10</a:t>
+              <a:t>19-11-13</a:t>
             </a:fld>
             <a:endParaRPr lang="en-US"/>
           </a:p>
@@ -1769,7 +1769,7 @@
           <a:p>
             <a:fld id="{12CDA68D-1A1F-6346-A281-652CBF222AD7}" type="datetimeFigureOut">
               <a:rPr lang="en-US" smtClean="0"/>
-              <a:t>19-11-10</a:t>
+              <a:t>19-11-13</a:t>
             </a:fld>
             <a:endParaRPr lang="en-US"/>
           </a:p>
@@ -1887,7 +1887,7 @@
           <a:p>
             <a:fld id="{12CDA68D-1A1F-6346-A281-652CBF222AD7}" type="datetimeFigureOut">
               <a:rPr lang="en-US" smtClean="0"/>
-              <a:t>19-11-10</a:t>
+              <a:t>19-11-13</a:t>
             </a:fld>
             <a:endParaRPr lang="en-US"/>
           </a:p>
@@ -1982,7 +1982,7 @@
           <a:p>
             <a:fld id="{12CDA68D-1A1F-6346-A281-652CBF222AD7}" type="datetimeFigureOut">
               <a:rPr lang="en-US" smtClean="0"/>
-              <a:t>19-11-10</a:t>
+              <a:t>19-11-13</a:t>
             </a:fld>
             <a:endParaRPr lang="en-US"/>
           </a:p>
@@ -2259,7 +2259,7 @@
           <a:p>
             <a:fld id="{12CDA68D-1A1F-6346-A281-652CBF222AD7}" type="datetimeFigureOut">
               <a:rPr lang="en-US" smtClean="0"/>
-              <a:t>19-11-10</a:t>
+              <a:t>19-11-13</a:t>
             </a:fld>
             <a:endParaRPr lang="en-US"/>
           </a:p>
@@ -2512,7 +2512,7 @@
           <a:p>
             <a:fld id="{12CDA68D-1A1F-6346-A281-652CBF222AD7}" type="datetimeFigureOut">
               <a:rPr lang="en-US" smtClean="0"/>
-              <a:t>19-11-10</a:t>
+              <a:t>19-11-13</a:t>
             </a:fld>
             <a:endParaRPr lang="en-US"/>
           </a:p>
@@ -2725,7 +2725,7 @@
           <a:p>
             <a:fld id="{12CDA68D-1A1F-6346-A281-652CBF222AD7}" type="datetimeFigureOut">
               <a:rPr lang="en-US" smtClean="0"/>
-              <a:t>19-11-10</a:t>
+              <a:t>19-11-13</a:t>
             </a:fld>
             <a:endParaRPr lang="en-US"/>
           </a:p>
@@ -3669,7 +3669,11 @@
             </a:r>
             <a:r>
               <a:rPr lang="en-US" sz="1100" dirty="0" smtClean="0"/>
-              <a:t> MSc UBC Graduate Fellowship</a:t>
+              <a:t> MSc </a:t>
+            </a:r>
+            <a:r>
+              <a:rPr lang="en-US" sz="1100" i="1" dirty="0" smtClean="0"/>
+              <a:t>UBC Graduate Fellowship</a:t>
             </a:r>
           </a:p>
           <a:p>
@@ -3683,7 +3687,15 @@
             </a:r>
             <a:r>
               <a:rPr lang="en-US" sz="1100" dirty="0" smtClean="0"/>
-              <a:t> BSc FRSQ bursary</a:t>
+              <a:t> BSc </a:t>
+            </a:r>
+            <a:r>
+              <a:rPr lang="en-US" sz="1100" i="1" dirty="0" smtClean="0"/>
+              <a:t>FRSQ</a:t>
+            </a:r>
+            <a:r>
+              <a:rPr lang="en-US" sz="1100" dirty="0" smtClean="0"/>
+              <a:t> bursary</a:t>
             </a:r>
           </a:p>
           <a:p>
@@ -3697,7 +3709,15 @@
             </a:r>
             <a:r>
               <a:rPr lang="en-US" sz="1100" dirty="0" smtClean="0"/>
-              <a:t> BSc FRSQ </a:t>
+              <a:t> BSc </a:t>
+            </a:r>
+            <a:r>
+              <a:rPr lang="en-US" sz="1100" i="1" dirty="0" smtClean="0"/>
+              <a:t>FRSQ</a:t>
+            </a:r>
+            <a:r>
+              <a:rPr lang="en-US" sz="1100" dirty="0" smtClean="0"/>
+              <a:t> </a:t>
             </a:r>
             <a:r>
               <a:rPr lang="en-US" sz="1100" dirty="0" err="1" smtClean="0"/>
@@ -3722,12 +3742,20 @@
               <a:t> at </a:t>
             </a:r>
             <a:r>
+              <a:rPr lang="en-US" sz="1100" i="1" dirty="0" smtClean="0"/>
+              <a:t>NASA</a:t>
+            </a:r>
+            <a:r>
               <a:rPr lang="en-US" sz="1100" b="1" dirty="0" smtClean="0"/>
-              <a:t>NASA,</a:t>
+              <a:t>,</a:t>
             </a:r>
             <a:r>
               <a:rPr lang="en-US" sz="1100" dirty="0" smtClean="0"/>
-              <a:t> CMIX-4 protein payload</a:t>
+              <a:t> CMIX-4 </a:t>
+            </a:r>
+            <a:r>
+              <a:rPr lang="en-US" sz="1100" dirty="0" smtClean="0"/>
+              <a:t>payload</a:t>
             </a:r>
             <a:endParaRPr lang="en-US" sz="800" dirty="0" smtClean="0"/>
           </a:p>
@@ -4226,7 +4254,7 @@
             </a:r>
             <a:r>
               <a:rPr lang="en-US" dirty="0" smtClean="0"/>
-              <a:t>at </a:t>
+              <a:t>[at] </a:t>
             </a:r>
             <a:r>
               <a:rPr lang="en-US" dirty="0" err="1" smtClean="0"/>
@@ -4234,7 +4262,23 @@
             </a:r>
             <a:r>
               <a:rPr lang="en-US" dirty="0" smtClean="0"/>
-              <a:t> dot com                                   https</a:t>
+              <a:t> </a:t>
+            </a:r>
+            <a:r>
+              <a:rPr lang="en-US" dirty="0" smtClean="0"/>
+              <a:t>[dot] </a:t>
+            </a:r>
+            <a:r>
+              <a:rPr lang="en-US" dirty="0" smtClean="0"/>
+              <a:t>com     </a:t>
+            </a:r>
+            <a:r>
+              <a:rPr lang="en-US" dirty="0" smtClean="0"/>
+              <a:t>                    </a:t>
+            </a:r>
+            <a:r>
+              <a:rPr lang="en-US" dirty="0" smtClean="0"/>
+              <a:t>https</a:t>
             </a:r>
             <a:r>
               <a:rPr lang="en-US" dirty="0"/>

--- a/cv/CV_RWARREN_PPTanonym.pptx
+++ b/cv/CV_RWARREN_PPTanonym.pptx
@@ -288,7 +288,7 @@
           <a:p>
             <a:fld id="{12CDA68D-1A1F-6346-A281-652CBF222AD7}" type="datetimeFigureOut">
               <a:rPr lang="en-US" smtClean="0"/>
-              <a:t>19-11-13</a:t>
+              <a:t>19-12-07</a:t>
             </a:fld>
             <a:endParaRPr lang="en-US"/>
           </a:p>
@@ -458,7 +458,7 @@
           <a:p>
             <a:fld id="{12CDA68D-1A1F-6346-A281-652CBF222AD7}" type="datetimeFigureOut">
               <a:rPr lang="en-US" smtClean="0"/>
-              <a:t>19-11-13</a:t>
+              <a:t>19-12-07</a:t>
             </a:fld>
             <a:endParaRPr lang="en-US"/>
           </a:p>
@@ -638,7 +638,7 @@
           <a:p>
             <a:fld id="{12CDA68D-1A1F-6346-A281-652CBF222AD7}" type="datetimeFigureOut">
               <a:rPr lang="en-US" smtClean="0"/>
-              <a:t>19-11-13</a:t>
+              <a:t>19-12-07</a:t>
             </a:fld>
             <a:endParaRPr lang="en-US"/>
           </a:p>
@@ -808,7 +808,7 @@
           <a:p>
             <a:fld id="{12CDA68D-1A1F-6346-A281-652CBF222AD7}" type="datetimeFigureOut">
               <a:rPr lang="en-US" smtClean="0"/>
-              <a:t>19-11-13</a:t>
+              <a:t>19-12-07</a:t>
             </a:fld>
             <a:endParaRPr lang="en-US"/>
           </a:p>
@@ -1054,7 +1054,7 @@
           <a:p>
             <a:fld id="{12CDA68D-1A1F-6346-A281-652CBF222AD7}" type="datetimeFigureOut">
               <a:rPr lang="en-US" smtClean="0"/>
-              <a:t>19-11-13</a:t>
+              <a:t>19-12-07</a:t>
             </a:fld>
             <a:endParaRPr lang="en-US"/>
           </a:p>
@@ -1342,7 +1342,7 @@
           <a:p>
             <a:fld id="{12CDA68D-1A1F-6346-A281-652CBF222AD7}" type="datetimeFigureOut">
               <a:rPr lang="en-US" smtClean="0"/>
-              <a:t>19-11-13</a:t>
+              <a:t>19-12-07</a:t>
             </a:fld>
             <a:endParaRPr lang="en-US"/>
           </a:p>
@@ -1769,7 +1769,7 @@
           <a:p>
             <a:fld id="{12CDA68D-1A1F-6346-A281-652CBF222AD7}" type="datetimeFigureOut">
               <a:rPr lang="en-US" smtClean="0"/>
-              <a:t>19-11-13</a:t>
+              <a:t>19-12-07</a:t>
             </a:fld>
             <a:endParaRPr lang="en-US"/>
           </a:p>
@@ -1887,7 +1887,7 @@
           <a:p>
             <a:fld id="{12CDA68D-1A1F-6346-A281-652CBF222AD7}" type="datetimeFigureOut">
               <a:rPr lang="en-US" smtClean="0"/>
-              <a:t>19-11-13</a:t>
+              <a:t>19-12-07</a:t>
             </a:fld>
             <a:endParaRPr lang="en-US"/>
           </a:p>
@@ -1982,7 +1982,7 @@
           <a:p>
             <a:fld id="{12CDA68D-1A1F-6346-A281-652CBF222AD7}" type="datetimeFigureOut">
               <a:rPr lang="en-US" smtClean="0"/>
-              <a:t>19-11-13</a:t>
+              <a:t>19-12-07</a:t>
             </a:fld>
             <a:endParaRPr lang="en-US"/>
           </a:p>
@@ -2259,7 +2259,7 @@
           <a:p>
             <a:fld id="{12CDA68D-1A1F-6346-A281-652CBF222AD7}" type="datetimeFigureOut">
               <a:rPr lang="en-US" smtClean="0"/>
-              <a:t>19-11-13</a:t>
+              <a:t>19-12-07</a:t>
             </a:fld>
             <a:endParaRPr lang="en-US"/>
           </a:p>
@@ -2512,7 +2512,7 @@
           <a:p>
             <a:fld id="{12CDA68D-1A1F-6346-A281-652CBF222AD7}" type="datetimeFigureOut">
               <a:rPr lang="en-US" smtClean="0"/>
-              <a:t>19-11-13</a:t>
+              <a:t>19-12-07</a:t>
             </a:fld>
             <a:endParaRPr lang="en-US"/>
           </a:p>
@@ -2725,7 +2725,7 @@
           <a:p>
             <a:fld id="{12CDA68D-1A1F-6346-A281-652CBF222AD7}" type="datetimeFigureOut">
               <a:rPr lang="en-US" smtClean="0"/>
-              <a:t>19-11-13</a:t>
+              <a:t>19-12-07</a:t>
             </a:fld>
             <a:endParaRPr lang="en-US"/>
           </a:p>
@@ -3160,11 +3160,19 @@
             </a:r>
             <a:r>
               <a:rPr lang="en-US" sz="1200" b="1" i="1" dirty="0"/>
-              <a:t>Genome Sciences Centre</a:t>
+              <a:t>Genome Sciences </a:t>
+            </a:r>
+            <a:r>
+              <a:rPr lang="en-US" sz="1200" b="1" i="1" dirty="0" smtClean="0"/>
+              <a:t>Centre</a:t>
             </a:r>
             <a:r>
               <a:rPr lang="en-US" sz="1200" dirty="0"/>
-              <a:t>, </a:t>
+              <a:t> </a:t>
+            </a:r>
+            <a:r>
+              <a:rPr lang="en-US" sz="1200" dirty="0" smtClean="0"/>
+              <a:t> </a:t>
             </a:r>
             <a:r>
               <a:rPr lang="en-US" sz="1200" dirty="0" smtClean="0"/>
@@ -3234,11 +3242,23 @@
             </a:r>
             <a:r>
               <a:rPr lang="en-US" sz="1200" b="1" i="1" dirty="0"/>
-              <a:t>Genome Sciences Centre</a:t>
+              <a:t>Genome Sciences </a:t>
+            </a:r>
+            <a:r>
+              <a:rPr lang="en-US" sz="1200" b="1" i="1" dirty="0" smtClean="0"/>
+              <a:t>Centre</a:t>
             </a:r>
             <a:r>
               <a:rPr lang="en-US" sz="1200" dirty="0"/>
-              <a:t>, Vancouver </a:t>
+              <a:t> </a:t>
+            </a:r>
+            <a:r>
+              <a:rPr lang="en-US" sz="1200" dirty="0" smtClean="0"/>
+              <a:t> </a:t>
+            </a:r>
+            <a:r>
+              <a:rPr lang="en-US" sz="1200" dirty="0"/>
+              <a:t>Vancouver </a:t>
             </a:r>
           </a:p>
           <a:p>
@@ -3300,11 +3320,23 @@
             </a:r>
             <a:r>
               <a:rPr lang="en-US" sz="1200" b="1" i="1" dirty="0"/>
-              <a:t>Research Institute</a:t>
+              <a:t>Research </a:t>
+            </a:r>
+            <a:r>
+              <a:rPr lang="en-US" sz="1200" b="1" i="1" dirty="0" smtClean="0"/>
+              <a:t>Institute</a:t>
             </a:r>
             <a:r>
               <a:rPr lang="en-US" sz="1200" dirty="0"/>
-              <a:t>, Montréal</a:t>
+              <a:t> </a:t>
+            </a:r>
+            <a:r>
+              <a:rPr lang="en-US" sz="1200" dirty="0" smtClean="0"/>
+              <a:t> </a:t>
+            </a:r>
+            <a:r>
+              <a:rPr lang="en-US" sz="1200" dirty="0"/>
+              <a:t>Montréal</a:t>
             </a:r>
           </a:p>
           <a:p>
@@ -3751,11 +3783,7 @@
             </a:r>
             <a:r>
               <a:rPr lang="en-US" sz="1100" dirty="0" smtClean="0"/>
-              <a:t> CMIX-4 </a:t>
-            </a:r>
-            <a:r>
-              <a:rPr lang="en-US" sz="1100" dirty="0" smtClean="0"/>
-              <a:t>payload</a:t>
+              <a:t> CMIX-4 payload</a:t>
             </a:r>
             <a:endParaRPr lang="en-US" sz="800" dirty="0" smtClean="0"/>
           </a:p>
@@ -4262,23 +4290,7 @@
             </a:r>
             <a:r>
               <a:rPr lang="en-US" dirty="0" smtClean="0"/>
-              <a:t> </a:t>
-            </a:r>
-            <a:r>
-              <a:rPr lang="en-US" dirty="0" smtClean="0"/>
-              <a:t>[dot] </a:t>
-            </a:r>
-            <a:r>
-              <a:rPr lang="en-US" dirty="0" smtClean="0"/>
-              <a:t>com     </a:t>
-            </a:r>
-            <a:r>
-              <a:rPr lang="en-US" dirty="0" smtClean="0"/>
-              <a:t>                    </a:t>
-            </a:r>
-            <a:r>
-              <a:rPr lang="en-US" dirty="0" smtClean="0"/>
-              <a:t>https</a:t>
+              <a:t> [dot] com                         https</a:t>
             </a:r>
             <a:r>
               <a:rPr lang="en-US" dirty="0"/>
@@ -4403,7 +4415,23 @@
           <a:p>
             <a:pPr lvl="1"/>
             <a:r>
-              <a:rPr lang="en-US" dirty="0">
+              <a:rPr lang="en-US" sz="800" dirty="0" smtClean="0">
+                <a:solidFill>
+                  <a:srgbClr val="FFFFFF"/>
+                </a:solidFill>
+              </a:rPr>
+              <a:t>   </a:t>
+            </a:r>
+            <a:r>
+              <a:rPr lang="en-US" dirty="0" smtClean="0">
+                <a:solidFill>
+                  <a:srgbClr val="FFFFFF"/>
+                </a:solidFill>
+              </a:rPr>
+              <a:t>Seeking  New  Challenges     </a:t>
+            </a:r>
+            <a:r>
+              <a:rPr lang="en-US" sz="1400" dirty="0" smtClean="0">
                 <a:solidFill>
                   <a:srgbClr val="FFFFFF"/>
                 </a:solidFill>
@@ -4416,55 +4444,7 @@
                   <a:srgbClr val="FFFFFF"/>
                 </a:solidFill>
               </a:rPr>
-              <a:t>    </a:t>
-            </a:r>
-            <a:r>
-              <a:rPr lang="en-US" sz="1000" dirty="0" smtClean="0">
-                <a:solidFill>
-                  <a:srgbClr val="FFFFFF"/>
-                </a:solidFill>
-              </a:rPr>
-              <a:t> </a:t>
-            </a:r>
-            <a:r>
-              <a:rPr lang="en-US" dirty="0" smtClean="0">
-                <a:solidFill>
-                  <a:srgbClr val="FFFFFF"/>
-                </a:solidFill>
-              </a:rPr>
-              <a:t>  </a:t>
-            </a:r>
-            <a:r>
-              <a:rPr lang="en-US" sz="800" dirty="0" smtClean="0">
-                <a:solidFill>
-                  <a:srgbClr val="FFFFFF"/>
-                </a:solidFill>
-              </a:rPr>
-              <a:t> </a:t>
-            </a:r>
-            <a:r>
-              <a:rPr lang="en-US" dirty="0" smtClean="0">
-                <a:solidFill>
-                  <a:srgbClr val="FFFFFF"/>
-                </a:solidFill>
-              </a:rPr>
-              <a:t>Seeking : </a:t>
-            </a:r>
-            <a:r>
-              <a:rPr lang="en-US" dirty="0">
-                <a:solidFill>
-                  <a:srgbClr val="FFFFFF"/>
-                </a:solidFill>
-              </a:rPr>
-              <a:t>N</a:t>
-            </a:r>
-            <a:r>
-              <a:rPr lang="en-US" dirty="0" smtClean="0">
-                <a:solidFill>
-                  <a:srgbClr val="FFFFFF"/>
-                </a:solidFill>
-              </a:rPr>
-              <a:t>ew Challenges| Additional Leadership       </a:t>
+              <a:t>              Additional  Leadership         </a:t>
             </a:r>
             <a:endParaRPr lang="en-US" dirty="0">
               <a:solidFill>
@@ -5125,7 +5105,7 @@
         </p:nvSpPr>
         <p:spPr>
           <a:xfrm>
-            <a:off x="3454788" y="6639813"/>
+            <a:off x="3454788" y="6610179"/>
             <a:ext cx="3504812" cy="2000548"/>
           </a:xfrm>
           <a:prstGeom prst="rect">
@@ -5502,7 +5482,7 @@
         </p:nvSpPr>
         <p:spPr>
           <a:xfrm>
-            <a:off x="3640666" y="6478151"/>
+            <a:off x="3640666" y="6416766"/>
             <a:ext cx="3039533" cy="249766"/>
           </a:xfrm>
           <a:prstGeom prst="rect">
@@ -5569,7 +5549,7 @@
         <p:spPr>
           <a:xfrm flipH="1">
             <a:off x="3453317" y="3038476"/>
-            <a:ext cx="8622" cy="3136392"/>
+            <a:ext cx="8622" cy="3063240"/>
           </a:xfrm>
           <a:prstGeom prst="line">
             <a:avLst/>
@@ -5604,8 +5584,8 @@
         </p:nvCxnSpPr>
         <p:spPr>
           <a:xfrm flipH="1">
-            <a:off x="3439554" y="6541560"/>
-            <a:ext cx="16035" cy="2331720"/>
+            <a:off x="3439554" y="6469591"/>
+            <a:ext cx="16035" cy="2395728"/>
           </a:xfrm>
           <a:prstGeom prst="line">
             <a:avLst/>
@@ -5640,7 +5620,7 @@
         </p:nvSpPr>
         <p:spPr>
           <a:xfrm>
-            <a:off x="82551" y="6173340"/>
+            <a:off x="82551" y="6101371"/>
             <a:ext cx="3362453" cy="369332"/>
           </a:xfrm>
           <a:prstGeom prst="rect">
@@ -5692,7 +5672,7 @@
         </p:nvSpPr>
         <p:spPr>
           <a:xfrm>
-            <a:off x="3465112" y="6173340"/>
+            <a:off x="3465112" y="6101371"/>
             <a:ext cx="3317747" cy="369332"/>
           </a:xfrm>
           <a:prstGeom prst="rect">

--- a/cv/CV_RWARREN_PPTanonym.pptx
+++ b/cv/CV_RWARREN_PPTanonym.pptx
@@ -104,6 +104,22 @@
       </a:defRPr>
     </a:lvl9pPr>
   </p:defaultTextStyle>
+  <p:extLst>
+    <p:ext uri="{EFAFB233-063F-42B5-8137-9DF3F51BA10A}">
+      <p15:sldGuideLst xmlns:p15="http://schemas.microsoft.com/office/powerpoint/2012/main">
+        <p15:guide id="1" orient="horz" pos="2880">
+          <p15:clr>
+            <a:srgbClr val="A4A3A4"/>
+          </p15:clr>
+        </p15:guide>
+        <p15:guide id="2" pos="2160">
+          <p15:clr>
+            <a:srgbClr val="A4A3A4"/>
+          </p15:clr>
+        </p15:guide>
+      </p15:sldGuideLst>
+    </p:ext>
+  </p:extLst>
 </p:presentation>
 </file>
 
@@ -145,7 +161,7 @@
           <a:lstStyle/>
           <a:p>
             <a:r>
-              <a:rPr lang="en-CA" smtClean="0"/>
+              <a:rPr lang="en-CA"/>
               <a:t>Click to edit Master title style</a:t>
             </a:r>
             <a:endParaRPr lang="en-US"/>
@@ -264,7 +280,7 @@
           </a:lstStyle>
           <a:p>
             <a:r>
-              <a:rPr lang="en-CA" smtClean="0"/>
+              <a:rPr lang="en-CA"/>
               <a:t>Click to edit Master subtitle style</a:t>
             </a:r>
             <a:endParaRPr lang="en-US"/>
@@ -288,7 +304,7 @@
           <a:p>
             <a:fld id="{12CDA68D-1A1F-6346-A281-652CBF222AD7}" type="datetimeFigureOut">
               <a:rPr lang="en-US" smtClean="0"/>
-              <a:t>19-12-07</a:t>
+              <a:t>1/6/20</a:t>
             </a:fld>
             <a:endParaRPr lang="en-US"/>
           </a:p>
@@ -382,7 +398,7 @@
           <a:lstStyle/>
           <a:p>
             <a:r>
-              <a:rPr lang="en-CA" smtClean="0"/>
+              <a:rPr lang="en-CA"/>
               <a:t>Click to edit Master title style</a:t>
             </a:r>
             <a:endParaRPr lang="en-US"/>
@@ -406,35 +422,35 @@
           <a:p>
             <a:pPr lvl="0"/>
             <a:r>
-              <a:rPr lang="en-CA" smtClean="0"/>
+              <a:rPr lang="en-CA"/>
               <a:t>Click to edit Master text styles</a:t>
             </a:r>
           </a:p>
           <a:p>
             <a:pPr lvl="1"/>
             <a:r>
-              <a:rPr lang="en-CA" smtClean="0"/>
+              <a:rPr lang="en-CA"/>
               <a:t>Second level</a:t>
             </a:r>
           </a:p>
           <a:p>
             <a:pPr lvl="2"/>
             <a:r>
-              <a:rPr lang="en-CA" smtClean="0"/>
+              <a:rPr lang="en-CA"/>
               <a:t>Third level</a:t>
             </a:r>
           </a:p>
           <a:p>
             <a:pPr lvl="3"/>
             <a:r>
-              <a:rPr lang="en-CA" smtClean="0"/>
+              <a:rPr lang="en-CA"/>
               <a:t>Fourth level</a:t>
             </a:r>
           </a:p>
           <a:p>
             <a:pPr lvl="4"/>
             <a:r>
-              <a:rPr lang="en-CA" smtClean="0"/>
+              <a:rPr lang="en-CA"/>
               <a:t>Fifth level</a:t>
             </a:r>
             <a:endParaRPr lang="en-US"/>
@@ -458,7 +474,7 @@
           <a:p>
             <a:fld id="{12CDA68D-1A1F-6346-A281-652CBF222AD7}" type="datetimeFigureOut">
               <a:rPr lang="en-US" smtClean="0"/>
-              <a:t>19-12-07</a:t>
+              <a:t>1/6/20</a:t>
             </a:fld>
             <a:endParaRPr lang="en-US"/>
           </a:p>
@@ -557,7 +573,7 @@
           <a:lstStyle/>
           <a:p>
             <a:r>
-              <a:rPr lang="en-CA" smtClean="0"/>
+              <a:rPr lang="en-CA"/>
               <a:t>Click to edit Master title style</a:t>
             </a:r>
             <a:endParaRPr lang="en-US"/>
@@ -586,35 +602,35 @@
           <a:p>
             <a:pPr lvl="0"/>
             <a:r>
-              <a:rPr lang="en-CA" smtClean="0"/>
+              <a:rPr lang="en-CA"/>
               <a:t>Click to edit Master text styles</a:t>
             </a:r>
           </a:p>
           <a:p>
             <a:pPr lvl="1"/>
             <a:r>
-              <a:rPr lang="en-CA" smtClean="0"/>
+              <a:rPr lang="en-CA"/>
               <a:t>Second level</a:t>
             </a:r>
           </a:p>
           <a:p>
             <a:pPr lvl="2"/>
             <a:r>
-              <a:rPr lang="en-CA" smtClean="0"/>
+              <a:rPr lang="en-CA"/>
               <a:t>Third level</a:t>
             </a:r>
           </a:p>
           <a:p>
             <a:pPr lvl="3"/>
             <a:r>
-              <a:rPr lang="en-CA" smtClean="0"/>
+              <a:rPr lang="en-CA"/>
               <a:t>Fourth level</a:t>
             </a:r>
           </a:p>
           <a:p>
             <a:pPr lvl="4"/>
             <a:r>
-              <a:rPr lang="en-CA" smtClean="0"/>
+              <a:rPr lang="en-CA"/>
               <a:t>Fifth level</a:t>
             </a:r>
             <a:endParaRPr lang="en-US"/>
@@ -638,7 +654,7 @@
           <a:p>
             <a:fld id="{12CDA68D-1A1F-6346-A281-652CBF222AD7}" type="datetimeFigureOut">
               <a:rPr lang="en-US" smtClean="0"/>
-              <a:t>19-12-07</a:t>
+              <a:t>1/6/20</a:t>
             </a:fld>
             <a:endParaRPr lang="en-US"/>
           </a:p>
@@ -732,7 +748,7 @@
           <a:lstStyle/>
           <a:p>
             <a:r>
-              <a:rPr lang="en-CA" smtClean="0"/>
+              <a:rPr lang="en-CA"/>
               <a:t>Click to edit Master title style</a:t>
             </a:r>
             <a:endParaRPr lang="en-US"/>
@@ -756,35 +772,35 @@
           <a:p>
             <a:pPr lvl="0"/>
             <a:r>
-              <a:rPr lang="en-CA" smtClean="0"/>
+              <a:rPr lang="en-CA"/>
               <a:t>Click to edit Master text styles</a:t>
             </a:r>
           </a:p>
           <a:p>
             <a:pPr lvl="1"/>
             <a:r>
-              <a:rPr lang="en-CA" smtClean="0"/>
+              <a:rPr lang="en-CA"/>
               <a:t>Second level</a:t>
             </a:r>
           </a:p>
           <a:p>
             <a:pPr lvl="2"/>
             <a:r>
-              <a:rPr lang="en-CA" smtClean="0"/>
+              <a:rPr lang="en-CA"/>
               <a:t>Third level</a:t>
             </a:r>
           </a:p>
           <a:p>
             <a:pPr lvl="3"/>
             <a:r>
-              <a:rPr lang="en-CA" smtClean="0"/>
+              <a:rPr lang="en-CA"/>
               <a:t>Fourth level</a:t>
             </a:r>
           </a:p>
           <a:p>
             <a:pPr lvl="4"/>
             <a:r>
-              <a:rPr lang="en-CA" smtClean="0"/>
+              <a:rPr lang="en-CA"/>
               <a:t>Fifth level</a:t>
             </a:r>
             <a:endParaRPr lang="en-US"/>
@@ -808,7 +824,7 @@
           <a:p>
             <a:fld id="{12CDA68D-1A1F-6346-A281-652CBF222AD7}" type="datetimeFigureOut">
               <a:rPr lang="en-US" smtClean="0"/>
-              <a:t>19-12-07</a:t>
+              <a:t>1/6/20</a:t>
             </a:fld>
             <a:endParaRPr lang="en-US"/>
           </a:p>
@@ -911,7 +927,7 @@
           </a:lstStyle>
           <a:p>
             <a:r>
-              <a:rPr lang="en-CA" smtClean="0"/>
+              <a:rPr lang="en-CA"/>
               <a:t>Click to edit Master title style</a:t>
             </a:r>
             <a:endParaRPr lang="en-US"/>
@@ -1031,7 +1047,7 @@
           <a:p>
             <a:pPr lvl="0"/>
             <a:r>
-              <a:rPr lang="en-CA" smtClean="0"/>
+              <a:rPr lang="en-CA"/>
               <a:t>Click to edit Master text styles</a:t>
             </a:r>
           </a:p>
@@ -1054,7 +1070,7 @@
           <a:p>
             <a:fld id="{12CDA68D-1A1F-6346-A281-652CBF222AD7}" type="datetimeFigureOut">
               <a:rPr lang="en-US" smtClean="0"/>
-              <a:t>19-12-07</a:t>
+              <a:t>1/6/20</a:t>
             </a:fld>
             <a:endParaRPr lang="en-US"/>
           </a:p>
@@ -1148,7 +1164,7 @@
           <a:lstStyle/>
           <a:p>
             <a:r>
-              <a:rPr lang="en-CA" smtClean="0"/>
+              <a:rPr lang="en-CA"/>
               <a:t>Click to edit Master title style</a:t>
             </a:r>
             <a:endParaRPr lang="en-US"/>
@@ -1205,35 +1221,35 @@
           <a:p>
             <a:pPr lvl="0"/>
             <a:r>
-              <a:rPr lang="en-CA" smtClean="0"/>
+              <a:rPr lang="en-CA"/>
               <a:t>Click to edit Master text styles</a:t>
             </a:r>
           </a:p>
           <a:p>
             <a:pPr lvl="1"/>
             <a:r>
-              <a:rPr lang="en-CA" smtClean="0"/>
+              <a:rPr lang="en-CA"/>
               <a:t>Second level</a:t>
             </a:r>
           </a:p>
           <a:p>
             <a:pPr lvl="2"/>
             <a:r>
-              <a:rPr lang="en-CA" smtClean="0"/>
+              <a:rPr lang="en-CA"/>
               <a:t>Third level</a:t>
             </a:r>
           </a:p>
           <a:p>
             <a:pPr lvl="3"/>
             <a:r>
-              <a:rPr lang="en-CA" smtClean="0"/>
+              <a:rPr lang="en-CA"/>
               <a:t>Fourth level</a:t>
             </a:r>
           </a:p>
           <a:p>
             <a:pPr lvl="4"/>
             <a:r>
-              <a:rPr lang="en-CA" smtClean="0"/>
+              <a:rPr lang="en-CA"/>
               <a:t>Fifth level</a:t>
             </a:r>
             <a:endParaRPr lang="en-US"/>
@@ -1290,35 +1306,35 @@
           <a:p>
             <a:pPr lvl="0"/>
             <a:r>
-              <a:rPr lang="en-CA" smtClean="0"/>
+              <a:rPr lang="en-CA"/>
               <a:t>Click to edit Master text styles</a:t>
             </a:r>
           </a:p>
           <a:p>
             <a:pPr lvl="1"/>
             <a:r>
-              <a:rPr lang="en-CA" smtClean="0"/>
+              <a:rPr lang="en-CA"/>
               <a:t>Second level</a:t>
             </a:r>
           </a:p>
           <a:p>
             <a:pPr lvl="2"/>
             <a:r>
-              <a:rPr lang="en-CA" smtClean="0"/>
+              <a:rPr lang="en-CA"/>
               <a:t>Third level</a:t>
             </a:r>
           </a:p>
           <a:p>
             <a:pPr lvl="3"/>
             <a:r>
-              <a:rPr lang="en-CA" smtClean="0"/>
+              <a:rPr lang="en-CA"/>
               <a:t>Fourth level</a:t>
             </a:r>
           </a:p>
           <a:p>
             <a:pPr lvl="4"/>
             <a:r>
-              <a:rPr lang="en-CA" smtClean="0"/>
+              <a:rPr lang="en-CA"/>
               <a:t>Fifth level</a:t>
             </a:r>
             <a:endParaRPr lang="en-US"/>
@@ -1342,7 +1358,7 @@
           <a:p>
             <a:fld id="{12CDA68D-1A1F-6346-A281-652CBF222AD7}" type="datetimeFigureOut">
               <a:rPr lang="en-US" smtClean="0"/>
-              <a:t>19-12-07</a:t>
+              <a:t>1/6/20</a:t>
             </a:fld>
             <a:endParaRPr lang="en-US"/>
           </a:p>
@@ -1445,7 +1461,7 @@
           </a:lstStyle>
           <a:p>
             <a:r>
-              <a:rPr lang="en-CA" smtClean="0"/>
+              <a:rPr lang="en-CA"/>
               <a:t>Click to edit Master title style</a:t>
             </a:r>
             <a:endParaRPr lang="en-US"/>
@@ -1511,7 +1527,7 @@
           <a:p>
             <a:pPr lvl="0"/>
             <a:r>
-              <a:rPr lang="en-CA" smtClean="0"/>
+              <a:rPr lang="en-CA"/>
               <a:t>Click to edit Master text styles</a:t>
             </a:r>
           </a:p>
@@ -1567,35 +1583,35 @@
           <a:p>
             <a:pPr lvl="0"/>
             <a:r>
-              <a:rPr lang="en-CA" smtClean="0"/>
+              <a:rPr lang="en-CA"/>
               <a:t>Click to edit Master text styles</a:t>
             </a:r>
           </a:p>
           <a:p>
             <a:pPr lvl="1"/>
             <a:r>
-              <a:rPr lang="en-CA" smtClean="0"/>
+              <a:rPr lang="en-CA"/>
               <a:t>Second level</a:t>
             </a:r>
           </a:p>
           <a:p>
             <a:pPr lvl="2"/>
             <a:r>
-              <a:rPr lang="en-CA" smtClean="0"/>
+              <a:rPr lang="en-CA"/>
               <a:t>Third level</a:t>
             </a:r>
           </a:p>
           <a:p>
             <a:pPr lvl="3"/>
             <a:r>
-              <a:rPr lang="en-CA" smtClean="0"/>
+              <a:rPr lang="en-CA"/>
               <a:t>Fourth level</a:t>
             </a:r>
           </a:p>
           <a:p>
             <a:pPr lvl="4"/>
             <a:r>
-              <a:rPr lang="en-CA" smtClean="0"/>
+              <a:rPr lang="en-CA"/>
               <a:t>Fifth level</a:t>
             </a:r>
             <a:endParaRPr lang="en-US"/>
@@ -1661,7 +1677,7 @@
           <a:p>
             <a:pPr lvl="0"/>
             <a:r>
-              <a:rPr lang="en-CA" smtClean="0"/>
+              <a:rPr lang="en-CA"/>
               <a:t>Click to edit Master text styles</a:t>
             </a:r>
           </a:p>
@@ -1717,35 +1733,35 @@
           <a:p>
             <a:pPr lvl="0"/>
             <a:r>
-              <a:rPr lang="en-CA" smtClean="0"/>
+              <a:rPr lang="en-CA"/>
               <a:t>Click to edit Master text styles</a:t>
             </a:r>
           </a:p>
           <a:p>
             <a:pPr lvl="1"/>
             <a:r>
-              <a:rPr lang="en-CA" smtClean="0"/>
+              <a:rPr lang="en-CA"/>
               <a:t>Second level</a:t>
             </a:r>
           </a:p>
           <a:p>
             <a:pPr lvl="2"/>
             <a:r>
-              <a:rPr lang="en-CA" smtClean="0"/>
+              <a:rPr lang="en-CA"/>
               <a:t>Third level</a:t>
             </a:r>
           </a:p>
           <a:p>
             <a:pPr lvl="3"/>
             <a:r>
-              <a:rPr lang="en-CA" smtClean="0"/>
+              <a:rPr lang="en-CA"/>
               <a:t>Fourth level</a:t>
             </a:r>
           </a:p>
           <a:p>
             <a:pPr lvl="4"/>
             <a:r>
-              <a:rPr lang="en-CA" smtClean="0"/>
+              <a:rPr lang="en-CA"/>
               <a:t>Fifth level</a:t>
             </a:r>
             <a:endParaRPr lang="en-US"/>
@@ -1769,7 +1785,7 @@
           <a:p>
             <a:fld id="{12CDA68D-1A1F-6346-A281-652CBF222AD7}" type="datetimeFigureOut">
               <a:rPr lang="en-US" smtClean="0"/>
-              <a:t>19-12-07</a:t>
+              <a:t>1/6/20</a:t>
             </a:fld>
             <a:endParaRPr lang="en-US"/>
           </a:p>
@@ -1863,7 +1879,7 @@
           <a:lstStyle/>
           <a:p>
             <a:r>
-              <a:rPr lang="en-CA" smtClean="0"/>
+              <a:rPr lang="en-CA"/>
               <a:t>Click to edit Master title style</a:t>
             </a:r>
             <a:endParaRPr lang="en-US"/>
@@ -1887,7 +1903,7 @@
           <a:p>
             <a:fld id="{12CDA68D-1A1F-6346-A281-652CBF222AD7}" type="datetimeFigureOut">
               <a:rPr lang="en-US" smtClean="0"/>
-              <a:t>19-12-07</a:t>
+              <a:t>1/6/20</a:t>
             </a:fld>
             <a:endParaRPr lang="en-US"/>
           </a:p>
@@ -1982,7 +1998,7 @@
           <a:p>
             <a:fld id="{12CDA68D-1A1F-6346-A281-652CBF222AD7}" type="datetimeFigureOut">
               <a:rPr lang="en-US" smtClean="0"/>
-              <a:t>19-12-07</a:t>
+              <a:t>1/6/20</a:t>
             </a:fld>
             <a:endParaRPr lang="en-US"/>
           </a:p>
@@ -2085,7 +2101,7 @@
           </a:lstStyle>
           <a:p>
             <a:r>
-              <a:rPr lang="en-CA" smtClean="0"/>
+              <a:rPr lang="en-CA"/>
               <a:t>Click to edit Master title style</a:t>
             </a:r>
             <a:endParaRPr lang="en-US"/>
@@ -2142,35 +2158,35 @@
           <a:p>
             <a:pPr lvl="0"/>
             <a:r>
-              <a:rPr lang="en-CA" smtClean="0"/>
+              <a:rPr lang="en-CA"/>
               <a:t>Click to edit Master text styles</a:t>
             </a:r>
           </a:p>
           <a:p>
             <a:pPr lvl="1"/>
             <a:r>
-              <a:rPr lang="en-CA" smtClean="0"/>
+              <a:rPr lang="en-CA"/>
               <a:t>Second level</a:t>
             </a:r>
           </a:p>
           <a:p>
             <a:pPr lvl="2"/>
             <a:r>
-              <a:rPr lang="en-CA" smtClean="0"/>
+              <a:rPr lang="en-CA"/>
               <a:t>Third level</a:t>
             </a:r>
           </a:p>
           <a:p>
             <a:pPr lvl="3"/>
             <a:r>
-              <a:rPr lang="en-CA" smtClean="0"/>
+              <a:rPr lang="en-CA"/>
               <a:t>Fourth level</a:t>
             </a:r>
           </a:p>
           <a:p>
             <a:pPr lvl="4"/>
             <a:r>
-              <a:rPr lang="en-CA" smtClean="0"/>
+              <a:rPr lang="en-CA"/>
               <a:t>Fifth level</a:t>
             </a:r>
             <a:endParaRPr lang="en-US"/>
@@ -2236,7 +2252,7 @@
           <a:p>
             <a:pPr lvl="0"/>
             <a:r>
-              <a:rPr lang="en-CA" smtClean="0"/>
+              <a:rPr lang="en-CA"/>
               <a:t>Click to edit Master text styles</a:t>
             </a:r>
           </a:p>
@@ -2259,7 +2275,7 @@
           <a:p>
             <a:fld id="{12CDA68D-1A1F-6346-A281-652CBF222AD7}" type="datetimeFigureOut">
               <a:rPr lang="en-US" smtClean="0"/>
-              <a:t>19-12-07</a:t>
+              <a:t>1/6/20</a:t>
             </a:fld>
             <a:endParaRPr lang="en-US"/>
           </a:p>
@@ -2362,7 +2378,7 @@
           </a:lstStyle>
           <a:p>
             <a:r>
-              <a:rPr lang="en-CA" smtClean="0"/>
+              <a:rPr lang="en-CA"/>
               <a:t>Click to edit Master title style</a:t>
             </a:r>
             <a:endParaRPr lang="en-US"/>
@@ -2489,7 +2505,7 @@
           <a:p>
             <a:pPr lvl="0"/>
             <a:r>
-              <a:rPr lang="en-CA" smtClean="0"/>
+              <a:rPr lang="en-CA"/>
               <a:t>Click to edit Master text styles</a:t>
             </a:r>
           </a:p>
@@ -2512,7 +2528,7 @@
           <a:p>
             <a:fld id="{12CDA68D-1A1F-6346-A281-652CBF222AD7}" type="datetimeFigureOut">
               <a:rPr lang="en-US" smtClean="0"/>
-              <a:t>19-12-07</a:t>
+              <a:t>1/6/20</a:t>
             </a:fld>
             <a:endParaRPr lang="en-US"/>
           </a:p>
@@ -2621,7 +2637,7 @@
           <a:lstStyle/>
           <a:p>
             <a:r>
-              <a:rPr lang="en-CA" smtClean="0"/>
+              <a:rPr lang="en-CA"/>
               <a:t>Click to edit Master title style</a:t>
             </a:r>
             <a:endParaRPr lang="en-US"/>
@@ -2655,35 +2671,35 @@
           <a:p>
             <a:pPr lvl="0"/>
             <a:r>
-              <a:rPr lang="en-CA" smtClean="0"/>
+              <a:rPr lang="en-CA"/>
               <a:t>Click to edit Master text styles</a:t>
             </a:r>
           </a:p>
           <a:p>
             <a:pPr lvl="1"/>
             <a:r>
-              <a:rPr lang="en-CA" smtClean="0"/>
+              <a:rPr lang="en-CA"/>
               <a:t>Second level</a:t>
             </a:r>
           </a:p>
           <a:p>
             <a:pPr lvl="2"/>
             <a:r>
-              <a:rPr lang="en-CA" smtClean="0"/>
+              <a:rPr lang="en-CA"/>
               <a:t>Third level</a:t>
             </a:r>
           </a:p>
           <a:p>
             <a:pPr lvl="3"/>
             <a:r>
-              <a:rPr lang="en-CA" smtClean="0"/>
+              <a:rPr lang="en-CA"/>
               <a:t>Fourth level</a:t>
             </a:r>
           </a:p>
           <a:p>
             <a:pPr lvl="4"/>
             <a:r>
-              <a:rPr lang="en-CA" smtClean="0"/>
+              <a:rPr lang="en-CA"/>
               <a:t>Fifth level</a:t>
             </a:r>
             <a:endParaRPr lang="en-US"/>
@@ -2725,7 +2741,7 @@
           <a:p>
             <a:fld id="{12CDA68D-1A1F-6346-A281-652CBF222AD7}" type="datetimeFigureOut">
               <a:rPr lang="en-US" smtClean="0"/>
-              <a:t>19-12-07</a:t>
+              <a:t>1/6/20</a:t>
             </a:fld>
             <a:endParaRPr lang="en-US"/>
           </a:p>
@@ -3122,37 +3138,33 @@
           <a:lstStyle/>
           <a:p>
             <a:r>
-              <a:rPr lang="en-US" b="1" dirty="0" smtClean="0"/>
+              <a:rPr lang="en-US" b="1" dirty="0"/>
               <a:t> </a:t>
             </a:r>
           </a:p>
           <a:p>
-            <a:endParaRPr lang="en-US" sz="1000" b="1" i="1" dirty="0" smtClean="0"/>
-          </a:p>
-          <a:p>
-            <a:endParaRPr lang="en-US" sz="400" b="1" i="1" dirty="0" smtClean="0"/>
+            <a:endParaRPr lang="en-US" sz="1000" b="1" i="1" dirty="0"/>
           </a:p>
           <a:p>
             <a:endParaRPr lang="en-US" sz="400" b="1" i="1" dirty="0"/>
           </a:p>
           <a:p>
-            <a:endParaRPr lang="en-US" sz="400" b="1" i="1" dirty="0" smtClean="0"/>
-          </a:p>
-          <a:p>
-            <a:r>
-              <a:rPr lang="en-US" sz="1600" b="1" i="1" dirty="0" smtClean="0"/>
+            <a:endParaRPr lang="en-US" sz="400" b="1" i="1" dirty="0"/>
+          </a:p>
+          <a:p>
+            <a:endParaRPr lang="en-US" sz="400" b="1" i="1" dirty="0"/>
+          </a:p>
+          <a:p>
+            <a:r>
+              <a:rPr lang="en-US" sz="1600" b="1" i="1" dirty="0"/>
               <a:t>Group Leader</a:t>
             </a:r>
             <a:endParaRPr lang="en-US" sz="1600" dirty="0"/>
           </a:p>
           <a:p>
             <a:r>
-              <a:rPr lang="en-US" sz="1200" b="1" i="1" dirty="0" smtClean="0"/>
-              <a:t> BC </a:t>
-            </a:r>
-            <a:r>
               <a:rPr lang="en-US" sz="1200" b="1" i="1" dirty="0"/>
-              <a:t>Cancer </a:t>
+              <a:t> BC Cancer </a:t>
             </a:r>
             <a:r>
               <a:rPr lang="en-US" sz="1200" b="1" dirty="0"/>
@@ -3160,228 +3172,134 @@
             </a:r>
             <a:r>
               <a:rPr lang="en-US" sz="1200" b="1" i="1" dirty="0"/>
-              <a:t>Genome Sciences </a:t>
-            </a:r>
-            <a:r>
-              <a:rPr lang="en-US" sz="1200" b="1" i="1" dirty="0" smtClean="0"/>
-              <a:t>Centre</a:t>
-            </a:r>
+              <a:t>Genome Sciences Centre</a:t>
+            </a:r>
+            <a:r>
+              <a:rPr lang="en-US" sz="1200" dirty="0"/>
+              <a:t>  Vancouver </a:t>
+            </a:r>
+          </a:p>
+          <a:p>
+            <a:pPr lvl="0" fontAlgn="base"/>
+            <a:r>
+              <a:rPr lang="en-US" sz="1200" dirty="0"/>
+              <a:t> Research project concept, management, guidance</a:t>
+            </a:r>
+          </a:p>
+          <a:p>
+            <a:pPr lvl="0" fontAlgn="base"/>
+            <a:r>
+              <a:rPr lang="en-US" sz="1200" dirty="0"/>
+              <a:t> Interview, supervise, mentor staff / students</a:t>
+            </a:r>
+          </a:p>
+          <a:p>
+            <a:pPr lvl="0" fontAlgn="base"/>
+            <a:endParaRPr lang="en-US" sz="600" dirty="0"/>
+          </a:p>
+          <a:p>
+            <a:pPr lvl="0" fontAlgn="base"/>
+            <a:endParaRPr lang="en-US" sz="600" dirty="0"/>
+          </a:p>
+          <a:p>
+            <a:pPr lvl="0" fontAlgn="base"/>
+            <a:r>
+              <a:rPr lang="en-US" sz="1600" b="1" i="1" dirty="0"/>
+              <a:t>Bioinformatics Coordinator </a:t>
+            </a:r>
+            <a:endParaRPr lang="en-US" sz="1600" dirty="0"/>
+          </a:p>
+          <a:p>
+            <a:r>
+              <a:rPr lang="en-US" sz="1200" b="1" i="1" dirty="0"/>
+              <a:t> BC Cancer </a:t>
+            </a:r>
+            <a:r>
+              <a:rPr lang="en-US" sz="1200" b="1" dirty="0"/>
+              <a:t>– </a:t>
+            </a:r>
+            <a:r>
+              <a:rPr lang="en-US" sz="1200" b="1" i="1" dirty="0"/>
+              <a:t>Genome Sciences Centre</a:t>
+            </a:r>
+            <a:r>
+              <a:rPr lang="en-US" sz="1200" dirty="0"/>
+              <a:t>  Vancouver </a:t>
+            </a:r>
+          </a:p>
+          <a:p>
+            <a:r>
+              <a:rPr lang="en-US" sz="1200" dirty="0"/>
+              <a:t> Lead bioinformatics R&amp;D</a:t>
+            </a:r>
+          </a:p>
+          <a:p>
+            <a:pPr lvl="0" fontAlgn="base"/>
+            <a:r>
+              <a:rPr lang="en-US" sz="1200" dirty="0"/>
+              <a:t> Interviewed, taught, trained, supervised staff</a:t>
+            </a:r>
+          </a:p>
+          <a:p>
+            <a:pPr lvl="0" fontAlgn="base"/>
+            <a:endParaRPr lang="en-US" sz="600" dirty="0"/>
+          </a:p>
+          <a:p>
+            <a:pPr lvl="0" fontAlgn="base"/>
+            <a:endParaRPr lang="en-US" sz="600" dirty="0"/>
+          </a:p>
+          <a:p>
+            <a:r>
+              <a:rPr lang="en-US" sz="1600" b="1" i="1" dirty="0"/>
+              <a:t>Technical Officer</a:t>
+            </a:r>
+            <a:endParaRPr lang="en-US" sz="1600" dirty="0"/>
+          </a:p>
+          <a:p>
+            <a:r>
+              <a:rPr lang="en-US" sz="1200" b="1" i="1" dirty="0"/>
+              <a:t> NRC </a:t>
+            </a:r>
+            <a:r>
+              <a:rPr lang="en-US" sz="1200" b="1" dirty="0"/>
+              <a:t>– </a:t>
+            </a:r>
+            <a:r>
+              <a:rPr lang="en-US" sz="1200" b="1" i="1" dirty="0"/>
+              <a:t>Biotechnology Research Institute</a:t>
+            </a:r>
+            <a:r>
+              <a:rPr lang="en-US" sz="1200" dirty="0"/>
+              <a:t>  Montréal</a:t>
+            </a:r>
+          </a:p>
+          <a:p>
+            <a:r>
+              <a:rPr lang="en-US" sz="1200" dirty="0"/>
+              <a:t> Engineered gene expression regulation technology           </a:t>
+            </a:r>
+          </a:p>
+          <a:p>
             <a:r>
               <a:rPr lang="en-US" sz="1200" dirty="0"/>
               <a:t> </a:t>
             </a:r>
             <a:r>
-              <a:rPr lang="en-US" sz="1200" dirty="0" smtClean="0"/>
-              <a:t> </a:t>
-            </a:r>
-            <a:r>
-              <a:rPr lang="en-US" sz="1200" dirty="0" smtClean="0"/>
-              <a:t>Vancouver </a:t>
-            </a:r>
-            <a:endParaRPr lang="en-US" sz="1200" dirty="0"/>
-          </a:p>
-          <a:p>
-            <a:pPr lvl="0" fontAlgn="base"/>
-            <a:r>
-              <a:rPr lang="en-US" sz="1200" dirty="0" smtClean="0"/>
-              <a:t> Research project concept, management, guidance</a:t>
-            </a:r>
-            <a:endParaRPr lang="en-US" sz="1200" dirty="0"/>
-          </a:p>
-          <a:p>
-            <a:pPr lvl="0" fontAlgn="base"/>
-            <a:r>
-              <a:rPr lang="en-US" sz="1200" dirty="0" smtClean="0"/>
-              <a:t> Interview</a:t>
-            </a:r>
-            <a:r>
-              <a:rPr lang="en-US" sz="1200" dirty="0"/>
-              <a:t>, supervise, mentor </a:t>
-            </a:r>
-            <a:r>
-              <a:rPr lang="en-US" sz="1200" dirty="0" smtClean="0"/>
-              <a:t>staff </a:t>
-            </a:r>
-            <a:r>
-              <a:rPr lang="en-US" sz="1200" dirty="0"/>
-              <a:t>/</a:t>
-            </a:r>
-            <a:r>
-              <a:rPr lang="en-US" sz="1200" dirty="0" smtClean="0"/>
-              <a:t> students</a:t>
-            </a:r>
-          </a:p>
-          <a:p>
-            <a:pPr lvl="0" fontAlgn="base"/>
-            <a:endParaRPr lang="en-US" sz="600" dirty="0"/>
-          </a:p>
-          <a:p>
-            <a:pPr lvl="0" fontAlgn="base"/>
-            <a:endParaRPr lang="en-US" sz="600" dirty="0" smtClean="0"/>
-          </a:p>
-          <a:p>
-            <a:pPr lvl="0" fontAlgn="base"/>
-            <a:r>
-              <a:rPr lang="en-US" sz="1600" b="1" i="1" dirty="0" smtClean="0"/>
-              <a:t>Bioinformatics Coordinator </a:t>
-            </a:r>
-            <a:endParaRPr lang="en-US" sz="1600" dirty="0"/>
-          </a:p>
-          <a:p>
-            <a:r>
-              <a:rPr lang="en-US" sz="1200" b="1" i="1" dirty="0" smtClean="0"/>
-              <a:t> BC </a:t>
-            </a:r>
-            <a:r>
-              <a:rPr lang="en-US" sz="1200" b="1" i="1" dirty="0"/>
-              <a:t>Cancer </a:t>
-            </a:r>
-            <a:r>
-              <a:rPr lang="en-US" sz="1200" b="1" dirty="0"/>
-              <a:t>– </a:t>
-            </a:r>
-            <a:r>
-              <a:rPr lang="en-US" sz="1200" b="1" i="1" dirty="0"/>
-              <a:t>Genome Sciences </a:t>
-            </a:r>
-            <a:r>
-              <a:rPr lang="en-US" sz="1200" b="1" i="1" dirty="0" smtClean="0"/>
-              <a:t>Centre</a:t>
-            </a:r>
-            <a:r>
-              <a:rPr lang="en-US" sz="1200" dirty="0"/>
-              <a:t> </a:t>
-            </a:r>
-            <a:r>
-              <a:rPr lang="en-US" sz="1200" dirty="0" smtClean="0"/>
-              <a:t> </a:t>
-            </a:r>
-            <a:r>
-              <a:rPr lang="en-US" sz="1200" dirty="0"/>
-              <a:t>Vancouver </a:t>
-            </a:r>
-          </a:p>
-          <a:p>
-            <a:r>
-              <a:rPr lang="en-US" sz="1200" dirty="0" smtClean="0"/>
-              <a:t> Lead </a:t>
-            </a:r>
-            <a:r>
-              <a:rPr lang="en-US" sz="1200" dirty="0"/>
-              <a:t>bioinformatics R&amp;</a:t>
-            </a:r>
-            <a:r>
-              <a:rPr lang="en-US" sz="1200" dirty="0" smtClean="0"/>
-              <a:t>D</a:t>
-            </a:r>
-          </a:p>
-          <a:p>
-            <a:pPr lvl="0" fontAlgn="base"/>
-            <a:r>
-              <a:rPr lang="en-US" sz="1200" dirty="0" smtClean="0"/>
-              <a:t> Interviewed</a:t>
-            </a:r>
-            <a:r>
-              <a:rPr lang="en-US" sz="1200" dirty="0"/>
-              <a:t>, taught, trained, supervised </a:t>
-            </a:r>
-            <a:r>
-              <a:rPr lang="en-US" sz="1200" dirty="0" smtClean="0"/>
-              <a:t>staff</a:t>
-            </a:r>
-          </a:p>
-          <a:p>
-            <a:pPr lvl="0" fontAlgn="base"/>
-            <a:endParaRPr lang="en-US" sz="600" dirty="0"/>
-          </a:p>
-          <a:p>
-            <a:pPr lvl="0" fontAlgn="base"/>
-            <a:endParaRPr lang="en-US" sz="600" dirty="0" smtClean="0"/>
-          </a:p>
-          <a:p>
-            <a:r>
-              <a:rPr lang="en-US" sz="1600" b="1" i="1" dirty="0" smtClean="0"/>
-              <a:t>Technical Officer</a:t>
-            </a:r>
-            <a:endParaRPr lang="en-US" sz="1600" dirty="0"/>
-          </a:p>
-          <a:p>
-            <a:r>
-              <a:rPr lang="en-US" sz="1200" b="1" i="1" dirty="0" smtClean="0"/>
-              <a:t> NRC </a:t>
-            </a:r>
-            <a:r>
-              <a:rPr lang="en-US" sz="1200" b="1" dirty="0" smtClean="0"/>
-              <a:t>– </a:t>
-            </a:r>
-            <a:r>
-              <a:rPr lang="en-US" sz="1200" b="1" i="1" dirty="0" smtClean="0"/>
-              <a:t>Biotechnology </a:t>
-            </a:r>
-            <a:r>
-              <a:rPr lang="en-US" sz="1200" b="1" i="1" dirty="0"/>
-              <a:t>Research </a:t>
-            </a:r>
-            <a:r>
-              <a:rPr lang="en-US" sz="1200" b="1" i="1" dirty="0" smtClean="0"/>
-              <a:t>Institute</a:t>
-            </a:r>
-            <a:r>
-              <a:rPr lang="en-US" sz="1200" dirty="0"/>
-              <a:t> </a:t>
-            </a:r>
-            <a:r>
-              <a:rPr lang="en-US" sz="1200" dirty="0" smtClean="0"/>
-              <a:t> </a:t>
-            </a:r>
-            <a:r>
-              <a:rPr lang="en-US" sz="1200" dirty="0"/>
-              <a:t>Montréal</a:t>
-            </a:r>
-          </a:p>
-          <a:p>
-            <a:r>
-              <a:rPr lang="en-US" sz="1200" dirty="0" smtClean="0"/>
-              <a:t> Engineered </a:t>
-            </a:r>
-            <a:r>
-              <a:rPr lang="en-US" sz="1200" dirty="0"/>
-              <a:t>gene expression regulation technology </a:t>
-            </a:r>
-            <a:r>
-              <a:rPr lang="en-US" sz="1200" dirty="0" smtClean="0"/>
-              <a:t>          </a:t>
-            </a:r>
-          </a:p>
-          <a:p>
-            <a:r>
-              <a:rPr lang="en-US" sz="1200" dirty="0"/>
-              <a:t> </a:t>
-            </a:r>
-            <a:r>
-              <a:rPr lang="en-CA" sz="1200" dirty="0" smtClean="0"/>
-              <a:t>Collaborated </a:t>
-            </a:r>
-            <a:r>
               <a:rPr lang="en-CA" sz="1200" dirty="0"/>
-              <a:t>with </a:t>
-            </a:r>
-            <a:r>
-              <a:rPr lang="en-CA" sz="1200" dirty="0" smtClean="0"/>
-              <a:t>stakeholders / scientists</a:t>
-            </a:r>
-          </a:p>
-          <a:p>
-            <a:pPr lvl="0" fontAlgn="base"/>
-            <a:endParaRPr lang="en-CA" sz="1200" dirty="0" smtClean="0"/>
+              <a:t>Collaborated with stakeholders / scientists</a:t>
+            </a:r>
           </a:p>
           <a:p>
             <a:pPr lvl="0" fontAlgn="base"/>
             <a:endParaRPr lang="en-CA" sz="1200" dirty="0"/>
           </a:p>
           <a:p>
-            <a:r>
-              <a:rPr lang="en-US" b="1" dirty="0" smtClean="0"/>
+            <a:pPr lvl="0" fontAlgn="base"/>
+            <a:endParaRPr lang="en-CA" sz="1200" dirty="0"/>
+          </a:p>
+          <a:p>
+            <a:r>
+              <a:rPr lang="en-US" b="1" dirty="0"/>
               <a:t> </a:t>
             </a:r>
             <a:r>
@@ -3391,167 +3309,107 @@
           </a:p>
           <a:p>
             <a:r>
-              <a:rPr lang="en-US" sz="1600" b="1" dirty="0" smtClean="0"/>
+              <a:rPr lang="en-US" sz="1600" b="1" dirty="0"/>
               <a:t>Certificate</a:t>
             </a:r>
             <a:r>
               <a:rPr lang="en-US" sz="1200" b="1" dirty="0"/>
-              <a:t>	</a:t>
-            </a:r>
-            <a:r>
-              <a:rPr lang="en-US" sz="1200" b="1" dirty="0" smtClean="0"/>
-              <a:t> Concordia </a:t>
+              <a:t>	 Concordia University</a:t>
+            </a:r>
+            <a:endParaRPr lang="en-US" sz="1200" dirty="0"/>
+          </a:p>
+          <a:p>
+            <a:r>
+              <a:rPr lang="en-US" sz="1200" dirty="0"/>
+              <a:t>		 Computer Science</a:t>
+            </a:r>
+          </a:p>
+          <a:p>
+            <a:r>
+              <a:rPr lang="en-US" sz="1200" dirty="0"/>
+              <a:t>		</a:t>
+            </a:r>
+            <a:endParaRPr lang="en-US" sz="1000" b="1" dirty="0"/>
+          </a:p>
+          <a:p>
+            <a:endParaRPr lang="en-US" sz="400" b="1" dirty="0"/>
+          </a:p>
+          <a:p>
+            <a:r>
+              <a:rPr lang="en-US" sz="1600" b="1" dirty="0"/>
+              <a:t>	 MSc	 </a:t>
             </a:r>
             <a:r>
               <a:rPr lang="en-US" sz="1200" b="1" dirty="0"/>
-              <a:t>University</a:t>
-            </a:r>
-            <a:endParaRPr lang="en-US" sz="1200" dirty="0"/>
-          </a:p>
-          <a:p>
-            <a:r>
-              <a:rPr lang="en-US" sz="1200" dirty="0" smtClean="0"/>
-              <a:t>		 Computer Science</a:t>
-            </a:r>
-          </a:p>
-          <a:p>
-            <a:r>
-              <a:rPr lang="en-US" sz="1200" dirty="0" smtClean="0"/>
+              <a:t>University of British Columbia</a:t>
+            </a:r>
+          </a:p>
+          <a:p>
+            <a:r>
+              <a:rPr lang="en-US" sz="1200" b="1" dirty="0"/>
+              <a:t>		 </a:t>
+            </a:r>
+            <a:r>
+              <a:rPr lang="en-US" sz="1200" dirty="0"/>
+              <a:t>Biochemistry &amp; Molecular Biology</a:t>
+            </a:r>
+          </a:p>
+          <a:p>
+            <a:r>
+              <a:rPr lang="en-US" sz="1200" b="1" dirty="0"/>
               <a:t>		</a:t>
             </a:r>
-            <a:endParaRPr lang="en-US" sz="1000" b="1" dirty="0" smtClean="0"/>
-          </a:p>
-          <a:p>
-            <a:endParaRPr lang="en-US" sz="400" b="1" dirty="0" smtClean="0"/>
-          </a:p>
-          <a:p>
-            <a:r>
-              <a:rPr lang="en-US" sz="1600" b="1" dirty="0" smtClean="0"/>
-              <a:t>	 MSc</a:t>
-            </a:r>
+            <a:r>
+              <a:rPr lang="en-US" sz="1000" dirty="0"/>
+              <a:t>         </a:t>
+            </a:r>
+          </a:p>
+          <a:p>
+            <a:endParaRPr lang="en-US" sz="400" dirty="0"/>
+          </a:p>
+          <a:p>
             <a:r>
               <a:rPr lang="en-US" sz="1600" b="1" dirty="0"/>
-              <a:t>	</a:t>
-            </a:r>
-            <a:r>
-              <a:rPr lang="en-US" sz="1600" b="1" dirty="0" smtClean="0"/>
+              <a:t>	  BSc	 </a:t>
+            </a:r>
+            <a:r>
+              <a:rPr lang="en-US" sz="1200" b="1" dirty="0" err="1"/>
+              <a:t>Université</a:t>
+            </a:r>
+            <a:r>
+              <a:rPr lang="en-US" sz="1200" b="1" dirty="0"/>
+              <a:t> de Montréal</a:t>
+            </a:r>
+          </a:p>
+          <a:p>
+            <a:r>
+              <a:rPr lang="en-US" sz="1200" b="1" dirty="0"/>
+              <a:t>		 </a:t>
+            </a:r>
+            <a:r>
+              <a:rPr lang="en-US" sz="1200" dirty="0"/>
+              <a:t>Biochemistry</a:t>
+            </a:r>
+            <a:r>
+              <a:rPr lang="en-US" sz="1200" b="1" dirty="0"/>
               <a:t> </a:t>
             </a:r>
             <a:r>
-              <a:rPr lang="en-US" sz="1200" b="1" dirty="0" smtClean="0"/>
-              <a:t>University </a:t>
-            </a:r>
+              <a:rPr lang="en-US" sz="1200" i="1" dirty="0"/>
+              <a:t>(</a:t>
+            </a:r>
+            <a:r>
+              <a:rPr lang="en-US" sz="1200" i="1" dirty="0" err="1"/>
+              <a:t>Honours</a:t>
+            </a:r>
+            <a:r>
+              <a:rPr lang="en-US" sz="1200" i="1" dirty="0"/>
+              <a:t>)</a:t>
+            </a:r>
+          </a:p>
+          <a:p>
             <a:r>
               <a:rPr lang="en-US" sz="1200" b="1" dirty="0"/>
-              <a:t>of British </a:t>
-            </a:r>
-            <a:r>
-              <a:rPr lang="en-US" sz="1200" b="1" dirty="0" smtClean="0"/>
-              <a:t>Columbia</a:t>
-            </a:r>
-          </a:p>
-          <a:p>
-            <a:r>
-              <a:rPr lang="en-US" sz="1200" b="1" dirty="0"/>
-              <a:t>	</a:t>
-            </a:r>
-            <a:r>
-              <a:rPr lang="en-US" sz="1200" b="1" dirty="0" smtClean="0"/>
-              <a:t>	 </a:t>
-            </a:r>
-            <a:r>
-              <a:rPr lang="en-US" sz="1200" dirty="0" smtClean="0"/>
-              <a:t>Biochemistry </a:t>
-            </a:r>
-            <a:r>
-              <a:rPr lang="en-US" sz="1200" dirty="0"/>
-              <a:t>&amp; Molecular </a:t>
-            </a:r>
-            <a:r>
-              <a:rPr lang="en-US" sz="1200" dirty="0" smtClean="0"/>
-              <a:t>Biology</a:t>
-            </a:r>
-          </a:p>
-          <a:p>
-            <a:r>
-              <a:rPr lang="en-US" sz="1200" b="1" dirty="0"/>
-              <a:t>	</a:t>
-            </a:r>
-            <a:r>
-              <a:rPr lang="en-US" sz="1200" b="1" dirty="0" smtClean="0"/>
-              <a:t>	</a:t>
-            </a:r>
-            <a:r>
-              <a:rPr lang="en-US" sz="1000" dirty="0" smtClean="0"/>
-              <a:t>         </a:t>
-            </a:r>
-          </a:p>
-          <a:p>
-            <a:endParaRPr lang="en-US" sz="400" dirty="0" smtClean="0"/>
-          </a:p>
-          <a:p>
-            <a:r>
-              <a:rPr lang="en-US" sz="1600" b="1" dirty="0" smtClean="0"/>
-              <a:t>	  BSc</a:t>
-            </a:r>
-            <a:r>
-              <a:rPr lang="en-US" sz="1600" b="1" dirty="0"/>
-              <a:t>	</a:t>
-            </a:r>
-            <a:r>
-              <a:rPr lang="en-US" sz="1600" b="1" dirty="0" smtClean="0"/>
-              <a:t> </a:t>
-            </a:r>
-            <a:r>
-              <a:rPr lang="en-US" sz="1200" b="1" dirty="0" err="1" smtClean="0"/>
-              <a:t>Université</a:t>
-            </a:r>
-            <a:r>
-              <a:rPr lang="en-US" sz="1200" b="1" dirty="0" smtClean="0"/>
-              <a:t> </a:t>
-            </a:r>
-            <a:r>
-              <a:rPr lang="en-US" sz="1200" b="1" dirty="0"/>
-              <a:t>de </a:t>
-            </a:r>
-            <a:r>
-              <a:rPr lang="en-US" sz="1200" b="1" dirty="0" smtClean="0"/>
-              <a:t>Montréal</a:t>
-            </a:r>
-          </a:p>
-          <a:p>
-            <a:r>
-              <a:rPr lang="en-US" sz="1200" b="1" dirty="0"/>
-              <a:t>	</a:t>
-            </a:r>
-            <a:r>
-              <a:rPr lang="en-US" sz="1200" b="1" dirty="0" smtClean="0"/>
-              <a:t>	 </a:t>
-            </a:r>
-            <a:r>
-              <a:rPr lang="en-US" sz="1200" dirty="0" smtClean="0"/>
-              <a:t>Biochemistry</a:t>
-            </a:r>
-            <a:r>
-              <a:rPr lang="en-US" sz="1200" b="1" dirty="0" smtClean="0"/>
-              <a:t> </a:t>
-            </a:r>
-            <a:r>
-              <a:rPr lang="en-US" sz="1200" i="1" dirty="0" smtClean="0"/>
-              <a:t>(</a:t>
-            </a:r>
-            <a:r>
-              <a:rPr lang="en-US" sz="1200" i="1" dirty="0" err="1" smtClean="0"/>
-              <a:t>Honours</a:t>
-            </a:r>
-            <a:r>
-              <a:rPr lang="en-US" sz="1200" i="1" dirty="0" smtClean="0"/>
-              <a:t>)</a:t>
-            </a:r>
-          </a:p>
-          <a:p>
-            <a:r>
-              <a:rPr lang="en-US" sz="1200" b="1" dirty="0" smtClean="0"/>
               <a:t>		</a:t>
             </a:r>
             <a:endParaRPr lang="en-US" sz="1200" dirty="0"/>
@@ -3570,8 +3428,8 @@
         </p:nvSpPr>
         <p:spPr>
           <a:xfrm>
-            <a:off x="3469042" y="2697835"/>
-            <a:ext cx="3365500" cy="3831818"/>
+            <a:off x="3467100" y="2748635"/>
+            <a:ext cx="3367442" cy="3831818"/>
           </a:xfrm>
           <a:prstGeom prst="rect">
             <a:avLst/>
@@ -3585,350 +3443,347 @@
           <a:p>
             <a:pPr algn="r"/>
             <a:r>
-              <a:rPr lang="en-US" b="1" dirty="0" smtClean="0"/>
+              <a:rPr lang="en-US" b="1" dirty="0"/>
               <a:t> </a:t>
             </a:r>
-            <a:endParaRPr lang="en-US" dirty="0" smtClean="0"/>
-          </a:p>
-          <a:p>
-            <a:endParaRPr lang="en-US" sz="400" dirty="0" smtClean="0"/>
-          </a:p>
-          <a:p>
-            <a:r>
-              <a:rPr lang="en-US" sz="1100" dirty="0" smtClean="0"/>
+            <a:endParaRPr lang="en-US" dirty="0"/>
+          </a:p>
+          <a:p>
+            <a:endParaRPr lang="en-US" sz="400" dirty="0"/>
+          </a:p>
+          <a:p>
+            <a:r>
+              <a:rPr lang="en-US" sz="1100" dirty="0"/>
               <a:t>2015, 16  </a:t>
             </a:r>
             <a:r>
-              <a:rPr lang="en-US" sz="1100" b="1" dirty="0" smtClean="0"/>
+              <a:rPr lang="en-US" sz="1100" b="1" dirty="0"/>
               <a:t>Awarded</a:t>
             </a:r>
             <a:r>
-              <a:rPr lang="en-US" sz="1100" dirty="0" smtClean="0"/>
+              <a:rPr lang="en-US" sz="1100" dirty="0"/>
               <a:t> </a:t>
             </a:r>
             <a:r>
-              <a:rPr lang="en-US" sz="1100" i="1" dirty="0" smtClean="0"/>
+              <a:rPr lang="en-US" sz="1100" i="1" dirty="0"/>
               <a:t>John </a:t>
             </a:r>
             <a:r>
-              <a:rPr lang="en-US" sz="1100" i="1" dirty="0" err="1" smtClean="0"/>
+              <a:rPr lang="en-US" sz="1100" i="1" dirty="0" err="1"/>
               <a:t>Jambor</a:t>
             </a:r>
             <a:r>
-              <a:rPr lang="en-US" sz="1100" i="1" dirty="0" smtClean="0"/>
+              <a:rPr lang="en-US" sz="1100" i="1" dirty="0"/>
               <a:t> Knowledge Fund</a:t>
             </a:r>
-            <a:endParaRPr lang="en-US" sz="1100" dirty="0" smtClean="0"/>
-          </a:p>
-          <a:p>
-            <a:r>
-              <a:rPr lang="en-US" sz="1100" dirty="0" smtClean="0"/>
+            <a:endParaRPr lang="en-US" sz="1100" dirty="0"/>
+          </a:p>
+          <a:p>
+            <a:r>
+              <a:rPr lang="en-US" sz="1100" dirty="0"/>
               <a:t>       2011  </a:t>
             </a:r>
             <a:r>
-              <a:rPr lang="en-US" sz="1100" b="1" dirty="0" smtClean="0"/>
+              <a:rPr lang="en-US" sz="1100" b="1" dirty="0"/>
               <a:t>Interview</a:t>
             </a:r>
             <a:r>
-              <a:rPr lang="en-US" sz="1100" dirty="0" smtClean="0"/>
+              <a:rPr lang="en-US" sz="1100" dirty="0"/>
               <a:t> </a:t>
             </a:r>
             <a:r>
-              <a:rPr lang="en-US" sz="1100" i="1" dirty="0" err="1" smtClean="0"/>
+              <a:rPr lang="en-US" sz="1100" i="1" dirty="0" err="1"/>
               <a:t>Fusobacterium</a:t>
             </a:r>
             <a:r>
-              <a:rPr lang="en-US" sz="1100" dirty="0" smtClean="0"/>
+              <a:rPr lang="en-US" sz="1100" dirty="0"/>
               <a:t> cancer discovery</a:t>
             </a:r>
           </a:p>
           <a:p>
             <a:r>
-              <a:rPr lang="en-US" sz="1100" dirty="0" smtClean="0"/>
+              <a:rPr lang="en-US" sz="1100" dirty="0"/>
               <a:t>       2009  </a:t>
             </a:r>
             <a:r>
-              <a:rPr lang="en-US" sz="1100" i="1" dirty="0" smtClean="0"/>
+              <a:rPr lang="en-US" sz="1100" i="1" dirty="0"/>
               <a:t>Genome Technology</a:t>
             </a:r>
             <a:r>
-              <a:rPr lang="en-US" sz="1100" dirty="0" smtClean="0"/>
+              <a:rPr lang="en-US" sz="1100" dirty="0"/>
               <a:t> </a:t>
             </a:r>
             <a:r>
-              <a:rPr lang="en-US" sz="1100" b="1" dirty="0" smtClean="0"/>
+              <a:rPr lang="en-US" sz="1100" b="1" dirty="0"/>
               <a:t>interview</a:t>
             </a:r>
             <a:r>
-              <a:rPr lang="en-US" sz="1100" i="1" dirty="0" smtClean="0"/>
+              <a:rPr lang="en-US" sz="1100" i="1" dirty="0"/>
               <a:t>,</a:t>
             </a:r>
             <a:r>
-              <a:rPr lang="en-US" sz="1100" dirty="0" smtClean="0"/>
+              <a:rPr lang="en-US" sz="1100" dirty="0"/>
               <a:t> next-gen. seq.</a:t>
             </a:r>
           </a:p>
           <a:p>
             <a:r>
-              <a:rPr lang="en-US" sz="1100" dirty="0" smtClean="0"/>
+              <a:rPr lang="en-US" sz="1100" dirty="0"/>
               <a:t>       2007  </a:t>
             </a:r>
             <a:r>
-              <a:rPr lang="en-US" sz="1100" i="1" dirty="0" err="1" smtClean="0"/>
+              <a:rPr lang="en-US" sz="1100" i="1" dirty="0" err="1"/>
               <a:t>GenomeWeb</a:t>
             </a:r>
             <a:r>
-              <a:rPr lang="en-US" sz="1100" dirty="0" smtClean="0"/>
+              <a:rPr lang="en-US" sz="1100" dirty="0"/>
               <a:t> </a:t>
             </a:r>
             <a:r>
-              <a:rPr lang="en-US" sz="1100" b="1" dirty="0" smtClean="0"/>
+              <a:rPr lang="en-US" sz="1100" b="1" dirty="0"/>
               <a:t>interview</a:t>
             </a:r>
             <a:r>
-              <a:rPr lang="en-US" sz="1100" dirty="0" smtClean="0"/>
+              <a:rPr lang="en-US" sz="1100" dirty="0"/>
               <a:t>, SSAKE development</a:t>
             </a:r>
           </a:p>
           <a:p>
             <a:r>
-              <a:rPr lang="en-US" sz="1100" dirty="0" smtClean="0"/>
+              <a:rPr lang="en-US" sz="1100" dirty="0"/>
               <a:t>       1998  </a:t>
             </a:r>
             <a:r>
-              <a:rPr lang="en-US" sz="1100" b="1" dirty="0" smtClean="0"/>
+              <a:rPr lang="en-US" sz="1100" b="1" dirty="0"/>
               <a:t>Awarded</a:t>
             </a:r>
             <a:r>
-              <a:rPr lang="en-US" sz="1100" dirty="0" smtClean="0"/>
+              <a:rPr lang="en-US" sz="1100" dirty="0"/>
               <a:t> MSc </a:t>
             </a:r>
             <a:r>
-              <a:rPr lang="en-US" sz="1100" i="1" dirty="0" smtClean="0"/>
+              <a:rPr lang="en-US" sz="1100" i="1" dirty="0"/>
               <a:t>UBC Graduate Fellowship</a:t>
             </a:r>
           </a:p>
           <a:p>
             <a:r>
-              <a:rPr lang="en-US" sz="1100" dirty="0" smtClean="0"/>
+              <a:rPr lang="en-US" sz="1100" dirty="0"/>
               <a:t>       1997  </a:t>
             </a:r>
             <a:r>
-              <a:rPr lang="en-US" sz="1100" b="1" dirty="0" smtClean="0"/>
+              <a:rPr lang="en-US" sz="1100" b="1" dirty="0"/>
               <a:t>Awarded</a:t>
             </a:r>
             <a:r>
-              <a:rPr lang="en-US" sz="1100" dirty="0" smtClean="0"/>
+              <a:rPr lang="en-US" sz="1100" dirty="0"/>
               <a:t> BSc </a:t>
             </a:r>
             <a:r>
-              <a:rPr lang="en-US" sz="1100" i="1" dirty="0" smtClean="0"/>
+              <a:rPr lang="en-US" sz="1100" i="1" dirty="0"/>
               <a:t>FRSQ</a:t>
             </a:r>
             <a:r>
-              <a:rPr lang="en-US" sz="1100" dirty="0" smtClean="0"/>
+              <a:rPr lang="en-US" sz="1100" dirty="0"/>
               <a:t> bursary</a:t>
             </a:r>
           </a:p>
           <a:p>
             <a:r>
-              <a:rPr lang="en-US" sz="1100" dirty="0" smtClean="0"/>
+              <a:rPr lang="en-US" sz="1100" dirty="0"/>
               <a:t>       1996  </a:t>
             </a:r>
             <a:r>
-              <a:rPr lang="en-US" sz="1100" b="1" dirty="0" smtClean="0"/>
+              <a:rPr lang="en-US" sz="1100" b="1" dirty="0"/>
               <a:t>Awarded</a:t>
             </a:r>
             <a:r>
-              <a:rPr lang="en-US" sz="1100" dirty="0" smtClean="0"/>
+              <a:rPr lang="en-US" sz="1100" dirty="0"/>
               <a:t> BSc </a:t>
             </a:r>
             <a:r>
-              <a:rPr lang="en-US" sz="1100" i="1" dirty="0" smtClean="0"/>
+              <a:rPr lang="en-US" sz="1100" i="1" dirty="0"/>
               <a:t>FRSQ</a:t>
             </a:r>
             <a:r>
-              <a:rPr lang="en-US" sz="1100" dirty="0" smtClean="0"/>
+              <a:rPr lang="en-US" sz="1100" dirty="0"/>
               <a:t> </a:t>
             </a:r>
             <a:r>
-              <a:rPr lang="en-US" sz="1100" dirty="0" err="1" smtClean="0"/>
+              <a:rPr lang="en-US" sz="1100" dirty="0" err="1"/>
               <a:t>honour’s</a:t>
             </a:r>
             <a:r>
-              <a:rPr lang="en-US" sz="1100" dirty="0" smtClean="0"/>
+              <a:rPr lang="en-US" sz="1100" dirty="0"/>
               <a:t> research project </a:t>
             </a:r>
           </a:p>
           <a:p>
             <a:r>
-              <a:rPr lang="en-US" sz="1100" dirty="0" smtClean="0"/>
+              <a:rPr lang="en-US" sz="1100" dirty="0"/>
               <a:t>       1995  </a:t>
             </a:r>
             <a:r>
-              <a:rPr lang="en-US" sz="1100" b="1" dirty="0" smtClean="0"/>
+              <a:rPr lang="en-US" sz="1100" b="1" dirty="0"/>
               <a:t>Worked</a:t>
             </a:r>
             <a:r>
-              <a:rPr lang="en-US" sz="1100" dirty="0" smtClean="0"/>
+              <a:rPr lang="en-US" sz="1100" dirty="0"/>
               <a:t> at </a:t>
             </a:r>
             <a:r>
-              <a:rPr lang="en-US" sz="1100" i="1" dirty="0" smtClean="0"/>
+              <a:rPr lang="en-US" sz="1100" i="1" dirty="0"/>
               <a:t>NASA</a:t>
             </a:r>
             <a:r>
-              <a:rPr lang="en-US" sz="1100" b="1" dirty="0" smtClean="0"/>
+              <a:rPr lang="en-US" sz="1100" b="1" dirty="0"/>
               <a:t>,</a:t>
             </a:r>
             <a:r>
-              <a:rPr lang="en-US" sz="1100" dirty="0" smtClean="0"/>
+              <a:rPr lang="en-US" sz="1100" dirty="0"/>
               <a:t> CMIX-4 payload</a:t>
             </a:r>
-            <a:endParaRPr lang="en-US" sz="800" dirty="0" smtClean="0"/>
+            <a:endParaRPr lang="en-US" sz="800" dirty="0"/>
           </a:p>
           <a:p>
             <a:pPr algn="r"/>
             <a:r>
-              <a:rPr lang="en-US" b="1" dirty="0" smtClean="0"/>
+              <a:rPr lang="en-US" b="1" dirty="0"/>
               <a:t>   </a:t>
             </a:r>
             <a:r>
-              <a:rPr lang="en-US" sz="1100" b="1" dirty="0" smtClean="0"/>
+              <a:rPr lang="en-US" sz="1100" b="1" dirty="0"/>
               <a:t>  </a:t>
             </a:r>
-            <a:endParaRPr lang="en-US" sz="1100" dirty="0" smtClean="0"/>
-          </a:p>
-          <a:p>
-            <a:endParaRPr lang="en-US" sz="600" dirty="0" smtClean="0"/>
+            <a:endParaRPr lang="en-US" sz="1100" dirty="0"/>
           </a:p>
           <a:p>
             <a:endParaRPr lang="en-US" sz="600" dirty="0"/>
           </a:p>
           <a:p>
-            <a:endParaRPr lang="en-US" sz="600" dirty="0" smtClean="0"/>
-          </a:p>
-          <a:p>
-            <a:endParaRPr lang="en-US" sz="400" dirty="0" smtClean="0"/>
+            <a:endParaRPr lang="en-US" sz="600" dirty="0"/>
+          </a:p>
+          <a:p>
+            <a:endParaRPr lang="en-US" sz="600" dirty="0"/>
           </a:p>
           <a:p>
             <a:endParaRPr lang="en-US" sz="400" dirty="0"/>
           </a:p>
           <a:p>
-            <a:endParaRPr lang="en-US" sz="400" dirty="0" smtClean="0"/>
-          </a:p>
-          <a:p>
-            <a:r>
-              <a:rPr lang="en-US" sz="1100" dirty="0" smtClean="0"/>
+            <a:endParaRPr lang="en-US" sz="400" dirty="0"/>
+          </a:p>
+          <a:p>
+            <a:r>
+              <a:rPr lang="en-US" sz="1100" dirty="0"/>
               <a:t>      2017, 18   </a:t>
             </a:r>
             <a:r>
-              <a:rPr lang="en-US" sz="1100" b="1" dirty="0" smtClean="0"/>
+              <a:rPr lang="en-US" sz="1100" b="1" dirty="0"/>
               <a:t>RECOMB </a:t>
             </a:r>
             <a:r>
-              <a:rPr lang="en-US" sz="1100" dirty="0" smtClean="0"/>
+              <a:rPr lang="en-US" sz="1100" dirty="0"/>
               <a:t> Hong Kong / Paris                 </a:t>
             </a:r>
             <a:r>
-              <a:rPr lang="en-US" sz="1100" b="1" dirty="0" smtClean="0"/>
+              <a:rPr lang="en-US" sz="1100" b="1" dirty="0"/>
               <a:t>talks  </a:t>
             </a:r>
-            <a:endParaRPr lang="en-US" sz="1100" dirty="0" smtClean="0"/>
-          </a:p>
-          <a:p>
-            <a:r>
-              <a:rPr lang="en-US" sz="1100" dirty="0" smtClean="0"/>
+            <a:endParaRPr lang="en-US" sz="1100" dirty="0"/>
+          </a:p>
+          <a:p>
+            <a:r>
+              <a:rPr lang="en-US" sz="1100" dirty="0"/>
               <a:t>2015, 16, 19   </a:t>
             </a:r>
             <a:r>
-              <a:rPr lang="en-US" sz="1100" b="1" dirty="0" smtClean="0"/>
+              <a:rPr lang="en-US" sz="1100" b="1" dirty="0"/>
               <a:t>ISMB </a:t>
             </a:r>
             <a:r>
-              <a:rPr lang="en-US" sz="1100" dirty="0" smtClean="0"/>
+              <a:rPr lang="en-US" sz="1100" dirty="0"/>
               <a:t> Dublin / Orlando / Basel            </a:t>
             </a:r>
             <a:r>
-              <a:rPr lang="en-US" sz="1100" b="1" dirty="0" smtClean="0"/>
+              <a:rPr lang="en-US" sz="1100" b="1" dirty="0"/>
               <a:t>talks</a:t>
             </a:r>
-            <a:endParaRPr lang="en-US" sz="1100" dirty="0" smtClean="0"/>
-          </a:p>
-          <a:p>
-            <a:r>
-              <a:rPr lang="en-US" sz="1100" dirty="0" smtClean="0"/>
+            <a:endParaRPr lang="en-US" sz="1100" dirty="0"/>
+          </a:p>
+          <a:p>
+            <a:r>
+              <a:rPr lang="en-US" sz="1100" dirty="0"/>
               <a:t>2008, 12, 15   </a:t>
             </a:r>
             <a:r>
-              <a:rPr lang="en-US" sz="1100" b="1" dirty="0" smtClean="0"/>
+              <a:rPr lang="en-US" sz="1100" b="1" dirty="0"/>
               <a:t>Pac. </a:t>
             </a:r>
             <a:r>
-              <a:rPr lang="en-US" sz="1100" b="1" dirty="0" err="1" smtClean="0"/>
+              <a:rPr lang="en-US" sz="1100" b="1" dirty="0" err="1"/>
               <a:t>Symp</a:t>
             </a:r>
             <a:r>
-              <a:rPr lang="en-US" sz="1100" b="1" dirty="0" smtClean="0"/>
+              <a:rPr lang="en-US" sz="1100" b="1" dirty="0"/>
               <a:t>. Biocomputing</a:t>
             </a:r>
             <a:r>
-              <a:rPr lang="en-US" sz="1100" dirty="0" smtClean="0"/>
+              <a:rPr lang="en-US" sz="1100" dirty="0"/>
               <a:t> Hawaii  </a:t>
             </a:r>
             <a:r>
-              <a:rPr lang="en-US" sz="1100" b="1" dirty="0" smtClean="0"/>
+              <a:rPr lang="en-US" sz="1100" b="1" dirty="0"/>
               <a:t>posters</a:t>
             </a:r>
           </a:p>
           <a:p>
             <a:r>
-              <a:rPr lang="en-US" sz="1100" dirty="0" smtClean="0"/>
+              <a:rPr lang="en-US" sz="1100" dirty="0"/>
               <a:t>             2010   </a:t>
             </a:r>
             <a:r>
-              <a:rPr lang="en-US" sz="1100" b="1" dirty="0" smtClean="0"/>
+              <a:rPr lang="en-US" sz="1100" b="1" dirty="0"/>
               <a:t>SFAF </a:t>
             </a:r>
             <a:r>
-              <a:rPr lang="en-US" sz="1100" dirty="0" smtClean="0"/>
+              <a:rPr lang="en-US" sz="1100" dirty="0"/>
               <a:t> Santa Fe                                          </a:t>
             </a:r>
             <a:r>
-              <a:rPr lang="en-US" sz="1100" b="1" dirty="0" smtClean="0"/>
+              <a:rPr lang="en-US" sz="1100" b="1" dirty="0"/>
               <a:t>talk</a:t>
             </a:r>
-            <a:endParaRPr lang="en-US" sz="1100" dirty="0" smtClean="0"/>
-          </a:p>
-          <a:p>
-            <a:r>
-              <a:rPr lang="en-US" sz="1100" dirty="0" smtClean="0"/>
+            <a:endParaRPr lang="en-US" sz="1100" dirty="0"/>
+          </a:p>
+          <a:p>
+            <a:r>
+              <a:rPr lang="en-US" sz="1100" dirty="0"/>
               <a:t>             2007   </a:t>
             </a:r>
             <a:r>
-              <a:rPr lang="en-US" sz="1100" b="1" dirty="0" smtClean="0"/>
+              <a:rPr lang="en-US" sz="1100" b="1" dirty="0"/>
               <a:t>Synthetic Biology </a:t>
             </a:r>
             <a:r>
-              <a:rPr lang="en-US" sz="1100" dirty="0" smtClean="0"/>
+              <a:rPr lang="en-US" sz="1100" dirty="0"/>
               <a:t> Zürich                       </a:t>
             </a:r>
             <a:r>
-              <a:rPr lang="en-US" sz="1100" b="1" dirty="0" smtClean="0"/>
+              <a:rPr lang="en-US" sz="1100" b="1" dirty="0"/>
               <a:t>talk</a:t>
             </a:r>
-            <a:endParaRPr lang="en-US" sz="1100" dirty="0" smtClean="0"/>
-          </a:p>
-          <a:p>
-            <a:endParaRPr lang="en-US" sz="800" dirty="0" smtClean="0"/>
+            <a:endParaRPr lang="en-US" sz="1100" dirty="0"/>
+          </a:p>
+          <a:p>
+            <a:endParaRPr lang="en-US" sz="800" dirty="0"/>
           </a:p>
           <a:p>
             <a:pPr algn="r"/>
             <a:r>
-              <a:rPr lang="en-US" b="1" dirty="0" smtClean="0"/>
+              <a:rPr lang="en-US" b="1" dirty="0"/>
               <a:t> </a:t>
             </a:r>
-            <a:endParaRPr lang="en-US" dirty="0" smtClean="0"/>
+            <a:endParaRPr lang="en-US" dirty="0"/>
           </a:p>
         </p:txBody>
       </p:sp>
@@ -3961,7 +3816,7 @@
           <a:p>
             <a:pPr algn="ctr"/>
             <a:r>
-              <a:rPr lang="en-US" dirty="0" smtClean="0">
+              <a:rPr lang="en-US" dirty="0">
                 <a:solidFill>
                   <a:srgbClr val="FFFFFF"/>
                 </a:solidFill>
@@ -3969,18 +3824,13 @@
               <a:t>P</a:t>
             </a:r>
             <a:r>
-              <a:rPr lang="en-US" sz="1700" dirty="0" smtClean="0">
+              <a:rPr lang="en-US" sz="1700" dirty="0">
                 <a:solidFill>
                   <a:srgbClr val="FFFFFF"/>
                 </a:solidFill>
               </a:rPr>
               <a:t>RESENTATIONS</a:t>
             </a:r>
-            <a:endParaRPr lang="en-US" sz="1700" dirty="0">
-              <a:solidFill>
-                <a:srgbClr val="FFFFFF"/>
-              </a:solidFill>
-            </a:endParaRPr>
           </a:p>
         </p:txBody>
       </p:sp>
@@ -4037,7 +3887,7 @@
         </p:nvSpPr>
         <p:spPr>
           <a:xfrm>
-            <a:off x="687099" y="-75942"/>
+            <a:off x="687099" y="-25142"/>
             <a:ext cx="1805452" cy="1015663"/>
           </a:xfrm>
           <a:prstGeom prst="rect">
@@ -4052,18 +3902,13 @@
           <a:lstStyle/>
           <a:p>
             <a:r>
-              <a:rPr lang="en-US" sz="6000" b="1" dirty="0" smtClean="0">
+              <a:rPr lang="en-US" sz="6000" b="1" dirty="0">
                 <a:solidFill>
                   <a:srgbClr val="FFFFFF"/>
                 </a:solidFill>
               </a:rPr>
               <a:t>René</a:t>
             </a:r>
-            <a:endParaRPr lang="en-US" sz="6000" b="1" dirty="0">
-              <a:solidFill>
-                <a:srgbClr val="FFFFFF"/>
-              </a:solidFill>
-            </a:endParaRPr>
           </a:p>
         </p:txBody>
       </p:sp>
@@ -4075,7 +3920,7 @@
         </p:nvSpPr>
         <p:spPr>
           <a:xfrm>
-            <a:off x="4040409" y="-75942"/>
+            <a:off x="4040409" y="-25142"/>
             <a:ext cx="2609083" cy="1015663"/>
           </a:xfrm>
           <a:prstGeom prst="rect">
@@ -4090,18 +3935,13 @@
           <a:lstStyle/>
           <a:p>
             <a:r>
-              <a:rPr lang="en-US" sz="6000" b="1" dirty="0" smtClean="0">
+              <a:rPr lang="en-US" sz="6000" b="1" dirty="0">
                 <a:solidFill>
                   <a:schemeClr val="bg1"/>
                 </a:solidFill>
               </a:rPr>
               <a:t>Warren</a:t>
             </a:r>
-            <a:endParaRPr lang="en-US" sz="6000" b="1" dirty="0">
-              <a:solidFill>
-                <a:schemeClr val="bg1"/>
-              </a:solidFill>
-            </a:endParaRPr>
           </a:p>
         </p:txBody>
       </p:sp>
@@ -4134,11 +3974,11 @@
           </a:p>
           <a:p>
             <a:r>
-              <a:rPr lang="en-US" sz="1350" b="1" dirty="0" smtClean="0"/>
+              <a:rPr lang="en-US" sz="1350" b="1" dirty="0"/>
               <a:t>     Developed</a:t>
             </a:r>
             <a:r>
-              <a:rPr lang="en-US" sz="1350" dirty="0" smtClean="0"/>
+              <a:rPr lang="en-US" sz="1350" dirty="0"/>
               <a:t> first </a:t>
             </a:r>
             <a:r>
@@ -4147,61 +3987,35 @@
             </a:r>
             <a:r>
               <a:rPr lang="en-US" sz="1350" dirty="0"/>
-              <a:t>genome assembly software (SSAKE) with short DNA </a:t>
-            </a:r>
-            <a:r>
-              <a:rPr lang="en-US" sz="1350" dirty="0" smtClean="0"/>
-              <a:t>sequences</a:t>
-            </a:r>
-            <a:endParaRPr lang="en-US" sz="1350" dirty="0"/>
-          </a:p>
-          <a:p>
-            <a:r>
-              <a:rPr lang="en-US" sz="1350" b="1" dirty="0" smtClean="0"/>
+              <a:t>genome assembly software (SSAKE) with short DNA sequences</a:t>
+            </a:r>
+          </a:p>
+          <a:p>
+            <a:r>
+              <a:rPr lang="en-US" sz="1350" b="1" dirty="0"/>
               <a:t>    Discovered</a:t>
             </a:r>
             <a:r>
-              <a:rPr lang="en-US" sz="1350" dirty="0" smtClean="0"/>
+              <a:rPr lang="en-US" sz="1350" dirty="0"/>
               <a:t> </a:t>
             </a:r>
             <a:r>
-              <a:rPr lang="en-US" sz="1350" i="1" dirty="0" err="1" smtClean="0"/>
+              <a:rPr lang="en-US" sz="1350" i="1" dirty="0" err="1"/>
               <a:t>Fusobacterium</a:t>
             </a:r>
             <a:r>
-              <a:rPr lang="en-US" sz="1350" dirty="0" smtClean="0"/>
-              <a:t> </a:t>
-            </a:r>
-            <a:r>
               <a:rPr lang="en-US" sz="1350" dirty="0"/>
-              <a:t>in colon cancer, </a:t>
-            </a:r>
-            <a:r>
-              <a:rPr lang="en-US" sz="1350" dirty="0" smtClean="0"/>
-              <a:t>Time </a:t>
+              <a:t> in colon cancer, Time Magazine's 2011 top 10 breakthrough</a:t>
+            </a:r>
+          </a:p>
+          <a:p>
+            <a:r>
+              <a:rPr lang="en-US" sz="1350" b="1" dirty="0"/>
+              <a:t>  Coordinated</a:t>
             </a:r>
             <a:r>
               <a:rPr lang="en-US" sz="1350" dirty="0"/>
-              <a:t>Magazine's 2011 top </a:t>
-            </a:r>
-            <a:r>
-              <a:rPr lang="en-US" sz="1350" dirty="0" smtClean="0"/>
-              <a:t>10 breakthrough</a:t>
-            </a:r>
-            <a:endParaRPr lang="en-US" sz="1350" dirty="0"/>
-          </a:p>
-          <a:p>
-            <a:r>
-              <a:rPr lang="en-US" sz="1350" b="1" dirty="0" smtClean="0"/>
-              <a:t>  Coordinated</a:t>
-            </a:r>
-            <a:r>
-              <a:rPr lang="en-US" sz="1350" dirty="0" smtClean="0"/>
-              <a:t> </a:t>
-            </a:r>
-            <a:r>
-              <a:rPr lang="en-US" sz="1350" dirty="0"/>
-              <a:t>bioinformatics analyses of </a:t>
+              <a:t> bioinformatics analyses of </a:t>
             </a:r>
             <a:r>
               <a:rPr lang="en-US" sz="1350" i="1" dirty="0" err="1"/>
@@ -4213,13 +4027,8 @@
             </a:r>
             <a:r>
               <a:rPr lang="en-US" sz="1350" dirty="0"/>
-              <a:t>, </a:t>
-            </a:r>
-            <a:r>
-              <a:rPr lang="en-US" sz="1350" dirty="0" smtClean="0"/>
-              <a:t>bullfrog &amp; spruce genomes</a:t>
-            </a:r>
-            <a:endParaRPr lang="en-US" sz="1350" dirty="0"/>
+              <a:t>, bullfrog &amp; spruce genomes</a:t>
+            </a:r>
           </a:p>
         </p:txBody>
       </p:sp>
@@ -4269,32 +4078,24 @@
           <a:lstStyle/>
           <a:p>
             <a:r>
-              <a:rPr lang="en-US" sz="2000" dirty="0" smtClean="0"/>
+              <a:rPr lang="en-US" sz="2000" dirty="0"/>
               <a:t> </a:t>
             </a:r>
             <a:r>
-              <a:rPr lang="en-US" dirty="0" err="1" smtClean="0"/>
+              <a:rPr lang="en-US" dirty="0" err="1"/>
               <a:t>warrenlr</a:t>
             </a:r>
             <a:r>
               <a:rPr lang="en-US" dirty="0"/>
-              <a:t> </a:t>
-            </a:r>
-            <a:r>
-              <a:rPr lang="en-US" dirty="0" smtClean="0"/>
-              <a:t>[at] </a:t>
-            </a:r>
-            <a:r>
-              <a:rPr lang="en-US" dirty="0" err="1" smtClean="0"/>
+              <a:t> [at] </a:t>
+            </a:r>
+            <a:r>
+              <a:rPr lang="en-US" dirty="0" err="1"/>
               <a:t>gmail</a:t>
             </a:r>
             <a:r>
-              <a:rPr lang="en-US" dirty="0" smtClean="0"/>
-              <a:t> [dot] com                         https</a:t>
-            </a:r>
-            <a:r>
               <a:rPr lang="en-US" dirty="0"/>
-              <a:t>://</a:t>
+              <a:t> [dot] com                         https://</a:t>
             </a:r>
             <a:r>
               <a:rPr lang="en-US" dirty="0" err="1"/>
@@ -4337,53 +4138,8 @@
                   <a:srgbClr val="FFFFFF"/>
                 </a:solidFill>
               </a:rPr>
-              <a:t>20+ </a:t>
-            </a:r>
-            <a:r>
-              <a:rPr lang="en-US" dirty="0" smtClean="0">
-                <a:solidFill>
-                  <a:srgbClr val="FFFFFF"/>
-                </a:solidFill>
-              </a:rPr>
-              <a:t>Years </a:t>
-            </a:r>
-            <a:r>
-              <a:rPr lang="en-US" dirty="0">
-                <a:solidFill>
-                  <a:srgbClr val="FFFFFF"/>
-                </a:solidFill>
-              </a:rPr>
-              <a:t>E</a:t>
-            </a:r>
-            <a:r>
-              <a:rPr lang="en-US" dirty="0" smtClean="0">
-                <a:solidFill>
-                  <a:srgbClr val="FFFFFF"/>
-                </a:solidFill>
-              </a:rPr>
-              <a:t>xperience - Biotechnology | Genomics | </a:t>
-            </a:r>
-            <a:r>
-              <a:rPr lang="en-US" dirty="0">
-                <a:solidFill>
-                  <a:srgbClr val="FFFFFF"/>
-                </a:solidFill>
-              </a:rPr>
-              <a:t>I</a:t>
-            </a:r>
-            <a:r>
-              <a:rPr lang="en-US" dirty="0" smtClean="0">
-                <a:solidFill>
-                  <a:srgbClr val="FFFFFF"/>
-                </a:solidFill>
-              </a:rPr>
-              <a:t>nformatics</a:t>
-            </a:r>
-            <a:endParaRPr lang="en-US" dirty="0">
-              <a:solidFill>
-                <a:srgbClr val="FFFFFF"/>
-              </a:solidFill>
-            </a:endParaRPr>
+              <a:t>20+ Years Experience - Biotechnology | Genomics | Informatics</a:t>
+            </a:r>
           </a:p>
         </p:txBody>
       </p:sp>
@@ -4415,7 +4171,7 @@
           <a:p>
             <a:pPr lvl="1"/>
             <a:r>
-              <a:rPr lang="en-US" sz="800" dirty="0" smtClean="0">
+              <a:rPr lang="en-US" sz="800" dirty="0">
                 <a:solidFill>
                   <a:srgbClr val="FFFFFF"/>
                 </a:solidFill>
@@ -4423,7 +4179,7 @@
               <a:t>   </a:t>
             </a:r>
             <a:r>
-              <a:rPr lang="en-US" dirty="0" smtClean="0">
+              <a:rPr lang="en-US" dirty="0">
                 <a:solidFill>
                   <a:srgbClr val="FFFFFF"/>
                 </a:solidFill>
@@ -4431,7 +4187,7 @@
               <a:t>Seeking  New  Challenges     </a:t>
             </a:r>
             <a:r>
-              <a:rPr lang="en-US" sz="1400" dirty="0" smtClean="0">
+              <a:rPr lang="en-US" sz="1400" dirty="0">
                 <a:solidFill>
                   <a:srgbClr val="FFFFFF"/>
                 </a:solidFill>
@@ -4439,18 +4195,13 @@
               <a:t> </a:t>
             </a:r>
             <a:r>
-              <a:rPr lang="en-US" dirty="0" smtClean="0">
+              <a:rPr lang="en-US" dirty="0">
                 <a:solidFill>
                   <a:srgbClr val="FFFFFF"/>
                 </a:solidFill>
               </a:rPr>
               <a:t>              Additional  Leadership         </a:t>
             </a:r>
-            <a:endParaRPr lang="en-US" dirty="0">
-              <a:solidFill>
-                <a:srgbClr val="FFFFFF"/>
-              </a:solidFill>
-            </a:endParaRPr>
           </a:p>
         </p:txBody>
       </p:sp>
@@ -4513,10 +4264,9 @@
           <a:lstStyle/>
           <a:p>
             <a:r>
-              <a:rPr lang="en-US" sz="1200" b="1" dirty="0" smtClean="0"/>
+              <a:rPr lang="en-US" sz="1200" b="1" dirty="0"/>
               <a:t>2017-current</a:t>
             </a:r>
-            <a:endParaRPr lang="en-US" sz="1200" b="1" dirty="0"/>
           </a:p>
         </p:txBody>
       </p:sp>
@@ -4579,10 +4329,9 @@
           <a:lstStyle/>
           <a:p>
             <a:r>
-              <a:rPr lang="en-US" sz="1200" b="1" dirty="0" smtClean="0"/>
+              <a:rPr lang="en-US" sz="1200" b="1" dirty="0"/>
               <a:t>2002-17</a:t>
             </a:r>
-            <a:endParaRPr lang="en-US" sz="1200" b="1" dirty="0"/>
           </a:p>
         </p:txBody>
       </p:sp>
@@ -4630,8 +4379,8 @@
         </p:nvSpPr>
         <p:spPr>
           <a:xfrm rot="16200000">
-            <a:off x="3123119" y="6634255"/>
-            <a:ext cx="496650" cy="276999"/>
+            <a:off x="3122017" y="6634255"/>
+            <a:ext cx="498855" cy="276999"/>
           </a:xfrm>
           <a:prstGeom prst="rect">
             <a:avLst/>
@@ -4645,10 +4394,9 @@
           <a:lstStyle/>
           <a:p>
             <a:r>
-              <a:rPr lang="en-US" sz="1200" b="1" dirty="0" smtClean="0"/>
-              <a:t>2000</a:t>
-            </a:r>
-            <a:endParaRPr lang="en-US" sz="1200" b="1" dirty="0"/>
+              <a:rPr lang="en-US" sz="1200" b="1" dirty="0"/>
+              <a:t>2001</a:t>
+            </a:r>
           </a:p>
         </p:txBody>
       </p:sp>
@@ -4696,8 +4444,8 @@
         </p:nvSpPr>
         <p:spPr>
           <a:xfrm rot="16200000">
-            <a:off x="3114653" y="7311574"/>
-            <a:ext cx="496650" cy="276999"/>
+            <a:off x="3113551" y="7311574"/>
+            <a:ext cx="498855" cy="276999"/>
           </a:xfrm>
           <a:prstGeom prst="rect">
             <a:avLst/>
@@ -4711,10 +4459,9 @@
           <a:lstStyle/>
           <a:p>
             <a:r>
-              <a:rPr lang="en-US" sz="1200" b="1" dirty="0" smtClean="0"/>
-              <a:t>1997</a:t>
-            </a:r>
-            <a:endParaRPr lang="en-US" sz="1200" b="1" dirty="0"/>
+              <a:rPr lang="en-US" sz="1200" b="1" dirty="0"/>
+              <a:t>1999</a:t>
+            </a:r>
           </a:p>
         </p:txBody>
       </p:sp>
@@ -4762,8 +4509,8 @@
         </p:nvSpPr>
         <p:spPr>
           <a:xfrm rot="16200000">
-            <a:off x="3114653" y="7981641"/>
-            <a:ext cx="496650" cy="276999"/>
+            <a:off x="3113551" y="7981641"/>
+            <a:ext cx="498855" cy="276999"/>
           </a:xfrm>
           <a:prstGeom prst="rect">
             <a:avLst/>
@@ -4777,10 +4524,9 @@
           <a:lstStyle/>
           <a:p>
             <a:r>
-              <a:rPr lang="en-US" sz="1200" b="1" dirty="0" smtClean="0"/>
-              <a:t>1994</a:t>
-            </a:r>
-            <a:endParaRPr lang="en-US" sz="1200" b="1" dirty="0"/>
+              <a:rPr lang="en-US" sz="1200" b="1" dirty="0"/>
+              <a:t>1997</a:t>
+            </a:r>
           </a:p>
         </p:txBody>
       </p:sp>
@@ -4843,10 +4589,9 @@
           <a:lstStyle/>
           <a:p>
             <a:r>
-              <a:rPr lang="en-US" sz="1200" b="1" dirty="0" smtClean="0"/>
+              <a:rPr lang="en-US" sz="1200" b="1" dirty="0"/>
               <a:t>2000-01</a:t>
             </a:r>
-            <a:endParaRPr lang="en-US" sz="1200" b="1" dirty="0"/>
           </a:p>
         </p:txBody>
       </p:sp>
@@ -4876,7 +4621,7 @@
           <a:p>
             <a:pPr algn="ctr"/>
             <a:r>
-              <a:rPr lang="en-US" sz="1200" i="1" dirty="0" smtClean="0">
+              <a:rPr lang="en-US" sz="1200" i="1" dirty="0">
                 <a:solidFill>
                   <a:srgbClr val="FFFFFF"/>
                 </a:solidFill>
@@ -4918,35 +4663,31 @@
           <a:lstStyle/>
           <a:p>
             <a:r>
-              <a:rPr lang="de-DE" sz="900" b="1" dirty="0" smtClean="0"/>
+              <a:rPr lang="de-DE" sz="900" b="1" dirty="0"/>
               <a:t>IT Skills  </a:t>
             </a:r>
             <a:r>
-              <a:rPr lang="de-DE" sz="900" dirty="0" smtClean="0"/>
-              <a:t>Python  PERL  R  MySQL  </a:t>
-            </a:r>
-            <a:r>
               <a:rPr lang="de-DE" sz="900" dirty="0"/>
-              <a:t>HTML/</a:t>
-            </a:r>
-            <a:r>
-              <a:rPr lang="de-DE" sz="900" dirty="0" err="1" smtClean="0"/>
+              <a:t>Python  PERL  R  MySQL  HTML/</a:t>
+            </a:r>
+            <a:r>
+              <a:rPr lang="de-DE" sz="900" dirty="0" err="1"/>
               <a:t>js</a:t>
             </a:r>
             <a:r>
-              <a:rPr lang="de-DE" sz="900" dirty="0" smtClean="0"/>
+              <a:rPr lang="de-DE" sz="900" dirty="0"/>
               <a:t>  </a:t>
             </a:r>
             <a:r>
-              <a:rPr lang="de-DE" sz="900" dirty="0" err="1" smtClean="0"/>
+              <a:rPr lang="de-DE" sz="900" dirty="0" err="1"/>
               <a:t>Git</a:t>
             </a:r>
             <a:r>
-              <a:rPr lang="de-DE" sz="900" dirty="0" smtClean="0"/>
+              <a:rPr lang="de-DE" sz="900" dirty="0"/>
               <a:t>  </a:t>
             </a:r>
             <a:r>
-              <a:rPr lang="de-DE" sz="900" dirty="0" err="1" smtClean="0"/>
+              <a:rPr lang="de-DE" sz="900" dirty="0" err="1"/>
               <a:t>unix</a:t>
             </a:r>
             <a:r>
@@ -4962,31 +4703,31 @@
               <a:t>/</a:t>
             </a:r>
             <a:r>
-              <a:rPr lang="de-DE" sz="900" dirty="0" err="1" smtClean="0"/>
+              <a:rPr lang="de-DE" sz="900" dirty="0" err="1"/>
               <a:t>win</a:t>
             </a:r>
             <a:r>
-              <a:rPr lang="de-DE" sz="900" dirty="0" smtClean="0"/>
+              <a:rPr lang="de-DE" sz="900" dirty="0"/>
               <a:t>  Office        </a:t>
             </a:r>
             <a:r>
-              <a:rPr lang="de-DE" sz="900" b="1" dirty="0" smtClean="0"/>
+              <a:rPr lang="de-DE" sz="900" b="1" dirty="0"/>
               <a:t>Projects </a:t>
             </a:r>
             <a:r>
-              <a:rPr lang="de-DE" sz="900" dirty="0" smtClean="0"/>
+              <a:rPr lang="de-DE" sz="900" dirty="0"/>
               <a:t>  SAM SSAKE TASR </a:t>
             </a:r>
             <a:r>
-              <a:rPr lang="de-DE" sz="900" dirty="0" err="1" smtClean="0"/>
+              <a:rPr lang="de-DE" sz="900" dirty="0" err="1"/>
               <a:t>HLAminer</a:t>
             </a:r>
             <a:r>
-              <a:rPr lang="de-DE" sz="900" dirty="0" smtClean="0"/>
+              <a:rPr lang="de-DE" sz="900" dirty="0"/>
               <a:t> LINKS XMV RAILS ARCS </a:t>
             </a:r>
             <a:r>
-              <a:rPr lang="de-DE" sz="900" dirty="0" err="1" smtClean="0"/>
+              <a:rPr lang="de-DE" sz="900" dirty="0" err="1"/>
               <a:t>ntEdit</a:t>
             </a:r>
             <a:endParaRPr lang="en-US" sz="900" dirty="0"/>
@@ -5022,7 +4763,7 @@
           <a:p>
             <a:pPr algn="ctr"/>
             <a:r>
-              <a:rPr lang="en-US" dirty="0" smtClean="0">
+              <a:rPr lang="en-US" dirty="0">
                 <a:solidFill>
                   <a:srgbClr val="FFFFFF"/>
                 </a:solidFill>
@@ -5030,18 +4771,13 @@
               <a:t>E</a:t>
             </a:r>
             <a:r>
-              <a:rPr lang="en-US" sz="1700" dirty="0" smtClean="0">
+              <a:rPr lang="en-US" sz="1700" dirty="0">
                 <a:solidFill>
                   <a:srgbClr val="FFFFFF"/>
                 </a:solidFill>
               </a:rPr>
               <a:t>XPERIENCE</a:t>
             </a:r>
-            <a:endParaRPr lang="en-US" sz="1700" dirty="0">
-              <a:solidFill>
-                <a:srgbClr val="FFFFFF"/>
-              </a:solidFill>
-            </a:endParaRPr>
           </a:p>
         </p:txBody>
       </p:sp>
@@ -5074,7 +4810,7 @@
           <a:p>
             <a:pPr algn="ctr"/>
             <a:r>
-              <a:rPr lang="en-US" dirty="0" smtClean="0">
+              <a:rPr lang="en-US" dirty="0">
                 <a:solidFill>
                   <a:srgbClr val="FFFFFF"/>
                 </a:solidFill>
@@ -5082,18 +4818,13 @@
               <a:t>A</a:t>
             </a:r>
             <a:r>
-              <a:rPr lang="en-US" sz="1700" dirty="0" smtClean="0">
+              <a:rPr lang="en-US" sz="1700" dirty="0">
                 <a:solidFill>
                   <a:srgbClr val="FFFFFF"/>
                 </a:solidFill>
               </a:rPr>
               <a:t>CCOLADES</a:t>
             </a:r>
-            <a:endParaRPr lang="en-US" sz="1700" dirty="0">
-              <a:solidFill>
-                <a:srgbClr val="FFFFFF"/>
-              </a:solidFill>
-            </a:endParaRPr>
           </a:p>
         </p:txBody>
       </p:sp>
@@ -5105,7 +4836,7 @@
         </p:nvSpPr>
         <p:spPr>
           <a:xfrm>
-            <a:off x="3454788" y="6610179"/>
+            <a:off x="3454788" y="6622879"/>
             <a:ext cx="3504812" cy="2000548"/>
           </a:xfrm>
           <a:prstGeom prst="rect">
@@ -5119,46 +4850,42 @@
           <a:lstStyle/>
           <a:p>
             <a:r>
-              <a:rPr lang="en-US" sz="1000" b="1" dirty="0" smtClean="0"/>
+              <a:rPr lang="en-US" sz="1000" b="1" dirty="0"/>
               <a:t>Warren RL</a:t>
             </a:r>
             <a:r>
-              <a:rPr lang="en-US" sz="1000" dirty="0" smtClean="0"/>
+              <a:rPr lang="en-US" sz="1000" dirty="0"/>
               <a:t>,</a:t>
             </a:r>
             <a:r>
-              <a:rPr lang="en-US" sz="1000" b="1" dirty="0" smtClean="0"/>
+              <a:rPr lang="en-US" sz="1000" b="1" dirty="0"/>
               <a:t> </a:t>
             </a:r>
             <a:r>
-              <a:rPr lang="en-US" sz="1000" i="1" dirty="0" smtClean="0"/>
+              <a:rPr lang="en-US" sz="1000" i="1" dirty="0"/>
               <a:t>et al.</a:t>
             </a:r>
             <a:r>
-              <a:rPr lang="en-US" sz="1000" b="1" dirty="0" smtClean="0"/>
+              <a:rPr lang="en-US" sz="1000" b="1" dirty="0"/>
               <a:t> </a:t>
             </a:r>
             <a:r>
-              <a:rPr lang="en-US" sz="1000" dirty="0" smtClean="0"/>
+              <a:rPr lang="en-US" sz="1000" dirty="0"/>
               <a:t>2019. </a:t>
             </a:r>
             <a:r>
-              <a:rPr lang="en-US" sz="1000" dirty="0" err="1" smtClean="0"/>
+              <a:rPr lang="en-US" sz="1000" dirty="0" err="1"/>
               <a:t>ntEdit</a:t>
             </a:r>
             <a:r>
-              <a:rPr lang="en-US" sz="1000" dirty="0" smtClean="0"/>
+              <a:rPr lang="en-US" sz="1000" dirty="0"/>
               <a:t>: scalable genome sequence    </a:t>
             </a:r>
           </a:p>
           <a:p>
             <a:r>
               <a:rPr lang="en-US" sz="1000" dirty="0"/>
-              <a:t> </a:t>
-            </a:r>
-            <a:r>
-              <a:rPr lang="en-US" sz="1000" dirty="0" smtClean="0"/>
-              <a:t>polishing. </a:t>
+              <a:t>   polishing. </a:t>
             </a:r>
             <a:r>
               <a:rPr lang="en-US" sz="1000" i="1" dirty="0"/>
@@ -5166,253 +4893,221 @@
             </a:r>
             <a:r>
               <a:rPr lang="en-US" sz="1000" dirty="0"/>
-              <a:t>35:</a:t>
-            </a:r>
-            <a:r>
-              <a:rPr lang="en-US" sz="1000" dirty="0" smtClean="0"/>
-              <a:t>4430</a:t>
-            </a:r>
-          </a:p>
-          <a:p>
-            <a:r>
-              <a:rPr lang="en-US" sz="600" b="1" dirty="0" smtClean="0"/>
+              <a:t>35:4430</a:t>
+            </a:r>
+          </a:p>
+          <a:p>
+            <a:r>
+              <a:rPr lang="en-US" sz="600" b="1" dirty="0"/>
               <a:t> </a:t>
             </a:r>
-            <a:endParaRPr lang="en-US" sz="600" dirty="0" smtClean="0"/>
-          </a:p>
-          <a:p>
-            <a:r>
-              <a:rPr lang="en-US" sz="1000" b="1" dirty="0" smtClean="0"/>
+            <a:endParaRPr lang="en-US" sz="600" dirty="0"/>
+          </a:p>
+          <a:p>
+            <a:r>
+              <a:rPr lang="en-US" sz="1000" b="1" dirty="0"/>
               <a:t>Warren RL</a:t>
             </a:r>
             <a:r>
-              <a:rPr lang="en-US" sz="1000" dirty="0" smtClean="0"/>
+              <a:rPr lang="en-US" sz="1000" dirty="0"/>
               <a:t>,</a:t>
             </a:r>
             <a:r>
-              <a:rPr lang="en-US" sz="1000" b="1" dirty="0" smtClean="0"/>
+              <a:rPr lang="en-US" sz="1000" b="1" dirty="0"/>
               <a:t> </a:t>
             </a:r>
             <a:r>
-              <a:rPr lang="en-US" sz="1000" i="1" dirty="0" smtClean="0"/>
+              <a:rPr lang="en-US" sz="1000" i="1" dirty="0"/>
               <a:t>et al.</a:t>
             </a:r>
             <a:r>
-              <a:rPr lang="en-US" sz="1000" dirty="0" smtClean="0"/>
-              <a:t> 2015</a:t>
-            </a:r>
-            <a:r>
               <a:rPr lang="en-US" sz="1000" dirty="0"/>
-              <a:t>. LINKS: Scalable, alignment-free </a:t>
-            </a:r>
-            <a:r>
-              <a:rPr lang="en-US" sz="1000" dirty="0" smtClean="0"/>
+              <a:t> 2015. LINKS: Scalable, alignment-free  </a:t>
+            </a:r>
+          </a:p>
+          <a:p>
+            <a:r>
+              <a:rPr lang="en-US" sz="1000" dirty="0"/>
+              <a:t>   scaffolding [</a:t>
+            </a:r>
+            <a:r>
+              <a:rPr lang="is-IS" sz="1000" dirty="0"/>
+              <a:t>…]</a:t>
+            </a:r>
+            <a:r>
+              <a:rPr lang="en-US" sz="1000" dirty="0"/>
+              <a:t> genomes with long reads.</a:t>
+            </a:r>
+            <a:r>
+              <a:rPr lang="en-US" sz="1000" b="1" dirty="0"/>
               <a:t> </a:t>
             </a:r>
-          </a:p>
-          <a:p>
+            <a:r>
+              <a:rPr lang="en-US" sz="1000" i="1" dirty="0" err="1"/>
+              <a:t>GigaScience</a:t>
+            </a:r>
+            <a:r>
+              <a:rPr lang="en-US" sz="1000" i="1" dirty="0"/>
+              <a:t>. </a:t>
+            </a:r>
             <a:r>
               <a:rPr lang="en-US" sz="1000" dirty="0"/>
+              <a:t>4:35 </a:t>
+            </a:r>
+          </a:p>
+          <a:p>
+            <a:r>
+              <a:rPr lang="en-US" sz="600" b="1" dirty="0"/>
+              <a:t> </a:t>
+            </a:r>
+            <a:endParaRPr lang="en-US" sz="600" dirty="0"/>
+          </a:p>
+          <a:p>
+            <a:r>
+              <a:rPr lang="en-US" sz="1000" b="1" dirty="0"/>
+              <a:t>Warren RL</a:t>
+            </a:r>
+            <a:r>
+              <a:rPr lang="en-US" sz="1000" dirty="0"/>
+              <a:t>,</a:t>
+            </a:r>
+            <a:r>
+              <a:rPr lang="en-US" sz="1000" b="1" dirty="0"/>
               <a:t> </a:t>
             </a:r>
             <a:r>
-              <a:rPr lang="en-US" sz="1000" dirty="0" smtClean="0"/>
-              <a:t>scaffolding [</a:t>
-            </a:r>
-            <a:r>
-              <a:rPr lang="is-IS" sz="1000" dirty="0" smtClean="0"/>
-              <a:t>…]</a:t>
-            </a:r>
-            <a:r>
-              <a:rPr lang="en-US" sz="1000" dirty="0" smtClean="0"/>
+              <a:rPr lang="en-US" sz="1000" i="1" dirty="0"/>
+              <a:t>et al.</a:t>
+            </a:r>
+            <a:r>
+              <a:rPr lang="en-US" sz="1000" b="1" dirty="0"/>
               <a:t> </a:t>
             </a:r>
             <a:r>
               <a:rPr lang="en-US" sz="1000" dirty="0"/>
-              <a:t>genomes with long reads</a:t>
-            </a:r>
-            <a:r>
-              <a:rPr lang="en-US" sz="1000" dirty="0" smtClean="0"/>
-              <a:t>.</a:t>
-            </a:r>
-            <a:r>
-              <a:rPr lang="en-US" sz="1000" b="1" dirty="0" smtClean="0"/>
-              <a:t> </a:t>
-            </a:r>
-            <a:r>
-              <a:rPr lang="en-US" sz="1000" i="1" dirty="0" err="1" smtClean="0"/>
-              <a:t>GigaScience</a:t>
-            </a:r>
-            <a:r>
-              <a:rPr lang="en-US" sz="1000" i="1" dirty="0" smtClean="0"/>
-              <a:t>. </a:t>
-            </a:r>
-            <a:r>
-              <a:rPr lang="en-US" sz="1000" dirty="0" smtClean="0"/>
-              <a:t>4:35 </a:t>
-            </a:r>
-          </a:p>
-          <a:p>
-            <a:r>
-              <a:rPr lang="en-US" sz="600" b="1" dirty="0" smtClean="0"/>
+              <a:t>2012. Derivation of HLA types from shotgun </a:t>
+            </a:r>
+          </a:p>
+          <a:p>
+            <a:r>
+              <a:rPr lang="en-US" sz="1000" dirty="0"/>
+              <a:t>   sequence datasets. </a:t>
+            </a:r>
+            <a:r>
+              <a:rPr lang="en-US" sz="1000" i="1" dirty="0"/>
+              <a:t>Genome Med.</a:t>
+            </a:r>
+            <a:r>
+              <a:rPr lang="en-US" sz="1000" dirty="0"/>
+              <a:t> 4:95</a:t>
+            </a:r>
+          </a:p>
+          <a:p>
+            <a:r>
+              <a:rPr lang="en-US" sz="600" dirty="0"/>
               <a:t> </a:t>
             </a:r>
-            <a:endParaRPr lang="en-US" sz="600" dirty="0" smtClean="0"/>
-          </a:p>
-          <a:p>
-            <a:r>
-              <a:rPr lang="en-US" sz="1000" b="1" dirty="0" smtClean="0"/>
-              <a:t>Warren RL</a:t>
-            </a:r>
-            <a:r>
-              <a:rPr lang="en-US" sz="1000" dirty="0" smtClean="0"/>
-              <a:t>,</a:t>
-            </a:r>
-            <a:r>
-              <a:rPr lang="en-US" sz="1000" b="1" dirty="0" smtClean="0"/>
-              <a:t> </a:t>
-            </a:r>
-            <a:r>
-              <a:rPr lang="en-US" sz="1000" i="1" dirty="0" smtClean="0"/>
+          </a:p>
+          <a:p>
+            <a:r>
+              <a:rPr lang="en-US" sz="1000" dirty="0" err="1"/>
+              <a:t>Castellarin</a:t>
+            </a:r>
+            <a:r>
+              <a:rPr lang="en-US" sz="1000" dirty="0"/>
+              <a:t> M*,</a:t>
+            </a:r>
+            <a:r>
+              <a:rPr lang="en-US" sz="1000" b="1" dirty="0"/>
+              <a:t> Warren RL*</a:t>
+            </a:r>
+            <a:r>
+              <a:rPr lang="en-US" sz="1000" dirty="0"/>
+              <a:t>, </a:t>
+            </a:r>
+            <a:r>
+              <a:rPr lang="en-US" sz="1000" i="1" dirty="0"/>
               <a:t>et al.</a:t>
             </a:r>
             <a:r>
-              <a:rPr lang="en-US" sz="1000" b="1" dirty="0" smtClean="0"/>
-              <a:t> </a:t>
-            </a:r>
-            <a:r>
-              <a:rPr lang="en-US" sz="1000" dirty="0" smtClean="0"/>
-              <a:t>2012. Derivation of HLA types from shotgun </a:t>
-            </a:r>
-          </a:p>
-          <a:p>
-            <a:r>
               <a:rPr lang="en-US" sz="1000" dirty="0"/>
-              <a:t> </a:t>
-            </a:r>
-            <a:r>
-              <a:rPr lang="en-US" sz="1000" dirty="0" smtClean="0"/>
-              <a:t>sequence datasets. </a:t>
-            </a:r>
-            <a:r>
-              <a:rPr lang="en-US" sz="1000" i="1" dirty="0" smtClean="0"/>
-              <a:t>Genome Med.</a:t>
-            </a:r>
-            <a:r>
-              <a:rPr lang="en-US" sz="1000" dirty="0" smtClean="0"/>
-              <a:t> 4:95</a:t>
-            </a:r>
-          </a:p>
-          <a:p>
-            <a:r>
-              <a:rPr lang="en-US" sz="600" dirty="0" smtClean="0"/>
-              <a:t> </a:t>
-            </a:r>
-          </a:p>
-          <a:p>
-            <a:r>
-              <a:rPr lang="en-US" sz="1000" dirty="0" err="1" smtClean="0"/>
-              <a:t>Castellarin</a:t>
-            </a:r>
-            <a:r>
-              <a:rPr lang="en-US" sz="1000" dirty="0" smtClean="0"/>
-              <a:t> M*,</a:t>
-            </a:r>
-            <a:r>
-              <a:rPr lang="en-US" sz="1000" b="1" dirty="0" smtClean="0"/>
-              <a:t> Warren RL*</a:t>
-            </a:r>
-            <a:r>
-              <a:rPr lang="en-US" sz="1000" dirty="0" smtClean="0"/>
-              <a:t>, </a:t>
-            </a:r>
-            <a:r>
-              <a:rPr lang="en-US" sz="1000" i="1" dirty="0" smtClean="0"/>
-              <a:t>et al.</a:t>
-            </a:r>
-            <a:r>
-              <a:rPr lang="en-US" sz="1000" dirty="0" smtClean="0"/>
               <a:t> 2012. </a:t>
             </a:r>
             <a:r>
-              <a:rPr lang="en-US" sz="1000" i="1" dirty="0" err="1" smtClean="0"/>
+              <a:rPr lang="en-US" sz="1000" i="1" dirty="0" err="1"/>
               <a:t>Fusobacterium</a:t>
             </a:r>
-            <a:r>
-              <a:rPr lang="en-US" sz="1000" i="1" dirty="0" smtClean="0"/>
-              <a:t> </a:t>
-            </a:r>
-          </a:p>
-          <a:p>
             <a:r>
               <a:rPr lang="en-US" sz="1000" i="1" dirty="0"/>
               <a:t> </a:t>
             </a:r>
-            <a:r>
-              <a:rPr lang="en-US" sz="1000" dirty="0" smtClean="0"/>
+          </a:p>
+          <a:p>
+            <a:r>
+              <a:rPr lang="en-US" sz="1000" i="1" dirty="0"/>
+              <a:t>   </a:t>
+            </a:r>
+            <a:r>
+              <a:rPr lang="en-US" sz="1000" dirty="0"/>
               <a:t>infection [</a:t>
             </a:r>
             <a:r>
-              <a:rPr lang="is-IS" sz="1000" dirty="0" smtClean="0"/>
+              <a:rPr lang="is-IS" sz="1000" dirty="0"/>
               <a:t>…]</a:t>
             </a:r>
             <a:r>
-              <a:rPr lang="en-US" sz="1000" dirty="0" smtClean="0"/>
+              <a:rPr lang="en-US" sz="1000" dirty="0"/>
               <a:t> in colorectal carcinoma. </a:t>
             </a:r>
             <a:r>
-              <a:rPr lang="en-US" sz="1000" i="1" dirty="0" smtClean="0"/>
+              <a:rPr lang="en-US" sz="1000" i="1" dirty="0"/>
               <a:t>Genome Res</a:t>
             </a:r>
             <a:r>
-              <a:rPr lang="en-US" sz="1000" dirty="0" smtClean="0"/>
+              <a:rPr lang="en-US" sz="1000" dirty="0"/>
               <a:t>. 22:299 </a:t>
             </a:r>
           </a:p>
           <a:p>
             <a:r>
-              <a:rPr lang="en-US" sz="600" b="1" dirty="0" smtClean="0"/>
+              <a:rPr lang="en-US" sz="600" b="1" dirty="0"/>
               <a:t> </a:t>
             </a:r>
-            <a:endParaRPr lang="en-US" sz="600" dirty="0" smtClean="0"/>
-          </a:p>
-          <a:p>
-            <a:r>
-              <a:rPr lang="en-US" sz="1000" b="1" dirty="0" smtClean="0"/>
+            <a:endParaRPr lang="en-US" sz="600" dirty="0"/>
+          </a:p>
+          <a:p>
+            <a:r>
+              <a:rPr lang="en-US" sz="1000" b="1" dirty="0"/>
               <a:t>Warren RL</a:t>
             </a:r>
             <a:r>
-              <a:rPr lang="en-US" sz="1000" dirty="0" smtClean="0"/>
+              <a:rPr lang="en-US" sz="1000" dirty="0"/>
               <a:t>, </a:t>
             </a:r>
             <a:r>
-              <a:rPr lang="en-US" sz="1000" i="1" dirty="0" smtClean="0"/>
+              <a:rPr lang="en-US" sz="1000" i="1" dirty="0"/>
               <a:t>et al.</a:t>
             </a:r>
             <a:r>
-              <a:rPr lang="en-US" sz="1000" dirty="0" smtClean="0"/>
+              <a:rPr lang="en-US" sz="1000" dirty="0"/>
               <a:t> 2007. Assembling millions of short DNA </a:t>
             </a:r>
           </a:p>
           <a:p>
             <a:r>
               <a:rPr lang="en-US" sz="1000" dirty="0"/>
-              <a:t> </a:t>
-            </a:r>
-            <a:r>
-              <a:rPr lang="en-US" sz="1000" dirty="0" smtClean="0"/>
-              <a:t>sequences using SSAKE. </a:t>
-            </a:r>
-            <a:r>
-              <a:rPr lang="en-US" sz="1000" i="1" dirty="0" smtClean="0"/>
+              <a:t>   sequences using SSAKE. </a:t>
+            </a:r>
+            <a:r>
+              <a:rPr lang="en-US" sz="1000" i="1" dirty="0"/>
               <a:t>Bioinformatics.</a:t>
             </a:r>
             <a:r>
-              <a:rPr lang="en-US" sz="1000" dirty="0" smtClean="0"/>
+              <a:rPr lang="en-US" sz="1000" dirty="0"/>
               <a:t> 23:500</a:t>
             </a:r>
             <a:r>
-              <a:rPr lang="fr-FR" sz="1000" dirty="0" smtClean="0"/>
+              <a:rPr lang="fr-FR" sz="1000" dirty="0"/>
               <a:t> </a:t>
             </a:r>
             <a:endParaRPr lang="en-US" sz="1000" dirty="0"/>
@@ -5427,7 +5122,7 @@
         </p:nvSpPr>
         <p:spPr>
           <a:xfrm>
-            <a:off x="3826934" y="4864103"/>
+            <a:off x="3826934" y="4876803"/>
             <a:ext cx="2578100" cy="249766"/>
           </a:xfrm>
           <a:prstGeom prst="rect">
@@ -5482,8 +5177,8 @@
         </p:nvSpPr>
         <p:spPr>
           <a:xfrm>
-            <a:off x="3640666" y="6416766"/>
-            <a:ext cx="3039533" cy="249766"/>
+            <a:off x="3419228" y="6404066"/>
+            <a:ext cx="3514972" cy="288834"/>
           </a:xfrm>
           <a:prstGeom prst="rect">
             <a:avLst/>
@@ -5519,23 +5214,7 @@
                   <a:schemeClr val="tx1"/>
                 </a:solidFill>
               </a:rPr>
-              <a:t>Selected from 63 peer-</a:t>
-            </a:r>
-            <a:r>
-              <a:rPr lang="en-US" sz="1000" b="1" i="1" dirty="0" smtClean="0">
-                <a:solidFill>
-                  <a:schemeClr val="tx1"/>
-                </a:solidFill>
-              </a:rPr>
-              <a:t>reviewed  23 lead author</a:t>
-            </a:r>
-            <a:r>
-              <a:rPr lang="en-US" sz="1000" b="1" i="1" dirty="0">
-                <a:solidFill>
-                  <a:schemeClr val="tx1"/>
-                </a:solidFill>
-              </a:rPr>
-              <a:t> </a:t>
+              <a:t>Selected from 63 peer-reviewed,  23 lead author, *co-first </a:t>
             </a:r>
           </a:p>
         </p:txBody>
@@ -5641,7 +5320,7 @@
           <a:p>
             <a:pPr algn="ctr"/>
             <a:r>
-              <a:rPr lang="en-US" dirty="0" smtClean="0">
+              <a:rPr lang="en-US" dirty="0">
                 <a:solidFill>
                   <a:srgbClr val="FFFFFF"/>
                 </a:solidFill>
@@ -5649,18 +5328,13 @@
               <a:t>E</a:t>
             </a:r>
             <a:r>
-              <a:rPr lang="en-US" sz="1700" dirty="0" smtClean="0">
+              <a:rPr lang="en-US" sz="1700" dirty="0">
                 <a:solidFill>
                   <a:srgbClr val="FFFFFF"/>
                 </a:solidFill>
               </a:rPr>
               <a:t>DUCATION</a:t>
             </a:r>
-            <a:endParaRPr lang="en-US" sz="1700" dirty="0">
-              <a:solidFill>
-                <a:srgbClr val="FFFFFF"/>
-              </a:solidFill>
-            </a:endParaRPr>
           </a:p>
         </p:txBody>
       </p:sp>
@@ -5693,7 +5367,7 @@
           <a:p>
             <a:pPr algn="ctr"/>
             <a:r>
-              <a:rPr lang="en-US" dirty="0" smtClean="0">
+              <a:rPr lang="en-US" dirty="0">
                 <a:solidFill>
                   <a:srgbClr val="FFFFFF"/>
                 </a:solidFill>
@@ -5701,18 +5375,13 @@
               <a:t>P</a:t>
             </a:r>
             <a:r>
-              <a:rPr lang="en-US" sz="1700" dirty="0" smtClean="0">
+              <a:rPr lang="en-US" sz="1700" dirty="0">
                 <a:solidFill>
                   <a:srgbClr val="FFFFFF"/>
                 </a:solidFill>
               </a:rPr>
               <a:t>UBLICATIONS</a:t>
             </a:r>
-            <a:endParaRPr lang="en-US" sz="1700" dirty="0">
-              <a:solidFill>
-                <a:srgbClr val="FFFFFF"/>
-              </a:solidFill>
-            </a:endParaRPr>
           </a:p>
         </p:txBody>
       </p:sp>
@@ -5726,13 +5395,6 @@
   <p:clrMapOvr>
     <a:masterClrMapping/>
   </p:clrMapOvr>
-  <p:timing>
-    <p:tnLst>
-      <p:par>
-        <p:cTn xmlns:p14="http://schemas.microsoft.com/office/powerpoint/2010/main" id="1" dur="indefinite" restart="never" nodeType="tmRoot"/>
-      </p:par>
-    </p:tnLst>
-  </p:timing>
 </p:sld>
 </file>
 

--- a/cv/CV_RWARREN_PPTanonym.pptx
+++ b/cv/CV_RWARREN_PPTanonym.pptx
@@ -304,7 +304,7 @@
           <a:p>
             <a:fld id="{12CDA68D-1A1F-6346-A281-652CBF222AD7}" type="datetimeFigureOut">
               <a:rPr lang="en-US" smtClean="0"/>
-              <a:t>4/21/20</a:t>
+              <a:t>5/15/20</a:t>
             </a:fld>
             <a:endParaRPr lang="en-US"/>
           </a:p>
@@ -474,7 +474,7 @@
           <a:p>
             <a:fld id="{12CDA68D-1A1F-6346-A281-652CBF222AD7}" type="datetimeFigureOut">
               <a:rPr lang="en-US" smtClean="0"/>
-              <a:t>4/21/20</a:t>
+              <a:t>5/15/20</a:t>
             </a:fld>
             <a:endParaRPr lang="en-US"/>
           </a:p>
@@ -654,7 +654,7 @@
           <a:p>
             <a:fld id="{12CDA68D-1A1F-6346-A281-652CBF222AD7}" type="datetimeFigureOut">
               <a:rPr lang="en-US" smtClean="0"/>
-              <a:t>4/21/20</a:t>
+              <a:t>5/15/20</a:t>
             </a:fld>
             <a:endParaRPr lang="en-US"/>
           </a:p>
@@ -824,7 +824,7 @@
           <a:p>
             <a:fld id="{12CDA68D-1A1F-6346-A281-652CBF222AD7}" type="datetimeFigureOut">
               <a:rPr lang="en-US" smtClean="0"/>
-              <a:t>4/21/20</a:t>
+              <a:t>5/15/20</a:t>
             </a:fld>
             <a:endParaRPr lang="en-US"/>
           </a:p>
@@ -1070,7 +1070,7 @@
           <a:p>
             <a:fld id="{12CDA68D-1A1F-6346-A281-652CBF222AD7}" type="datetimeFigureOut">
               <a:rPr lang="en-US" smtClean="0"/>
-              <a:t>4/21/20</a:t>
+              <a:t>5/15/20</a:t>
             </a:fld>
             <a:endParaRPr lang="en-US"/>
           </a:p>
@@ -1358,7 +1358,7 @@
           <a:p>
             <a:fld id="{12CDA68D-1A1F-6346-A281-652CBF222AD7}" type="datetimeFigureOut">
               <a:rPr lang="en-US" smtClean="0"/>
-              <a:t>4/21/20</a:t>
+              <a:t>5/15/20</a:t>
             </a:fld>
             <a:endParaRPr lang="en-US"/>
           </a:p>
@@ -1785,7 +1785,7 @@
           <a:p>
             <a:fld id="{12CDA68D-1A1F-6346-A281-652CBF222AD7}" type="datetimeFigureOut">
               <a:rPr lang="en-US" smtClean="0"/>
-              <a:t>4/21/20</a:t>
+              <a:t>5/15/20</a:t>
             </a:fld>
             <a:endParaRPr lang="en-US"/>
           </a:p>
@@ -1903,7 +1903,7 @@
           <a:p>
             <a:fld id="{12CDA68D-1A1F-6346-A281-652CBF222AD7}" type="datetimeFigureOut">
               <a:rPr lang="en-US" smtClean="0"/>
-              <a:t>4/21/20</a:t>
+              <a:t>5/15/20</a:t>
             </a:fld>
             <a:endParaRPr lang="en-US"/>
           </a:p>
@@ -1998,7 +1998,7 @@
           <a:p>
             <a:fld id="{12CDA68D-1A1F-6346-A281-652CBF222AD7}" type="datetimeFigureOut">
               <a:rPr lang="en-US" smtClean="0"/>
-              <a:t>4/21/20</a:t>
+              <a:t>5/15/20</a:t>
             </a:fld>
             <a:endParaRPr lang="en-US"/>
           </a:p>
@@ -2275,7 +2275,7 @@
           <a:p>
             <a:fld id="{12CDA68D-1A1F-6346-A281-652CBF222AD7}" type="datetimeFigureOut">
               <a:rPr lang="en-US" smtClean="0"/>
-              <a:t>4/21/20</a:t>
+              <a:t>5/15/20</a:t>
             </a:fld>
             <a:endParaRPr lang="en-US"/>
           </a:p>
@@ -2528,7 +2528,7 @@
           <a:p>
             <a:fld id="{12CDA68D-1A1F-6346-A281-652CBF222AD7}" type="datetimeFigureOut">
               <a:rPr lang="en-US" smtClean="0"/>
-              <a:t>4/21/20</a:t>
+              <a:t>5/15/20</a:t>
             </a:fld>
             <a:endParaRPr lang="en-US"/>
           </a:p>
@@ -2741,7 +2741,7 @@
           <a:p>
             <a:fld id="{12CDA68D-1A1F-6346-A281-652CBF222AD7}" type="datetimeFigureOut">
               <a:rPr lang="en-US" smtClean="0"/>
-              <a:t>4/21/20</a:t>
+              <a:t>5/15/20</a:t>
             </a:fld>
             <a:endParaRPr lang="en-US"/>
           </a:p>
@@ -3314,14 +3314,11 @@
             </a:r>
             <a:r>
               <a:rPr lang="en-US" sz="1200" b="1" dirty="0"/>
-              <a:t>	 Concordia University</a:t>
-            </a:r>
-            <a:endParaRPr lang="en-US" sz="1200" dirty="0"/>
-          </a:p>
-          <a:p>
+              <a:t>	 </a:t>
+            </a:r>
             <a:r>
               <a:rPr lang="en-US" sz="1200" dirty="0"/>
-              <a:t>		 Computer Science</a:t>
+              <a:t>Computer Science</a:t>
             </a:r>
           </a:p>
           <a:p>
@@ -3329,6 +3326,17 @@
               <a:rPr lang="en-US" sz="1200" dirty="0"/>
               <a:t>		</a:t>
             </a:r>
+            <a:r>
+              <a:rPr lang="en-US" sz="1200" b="1" dirty="0"/>
+              <a:t> Concordia University</a:t>
+            </a:r>
+            <a:endParaRPr lang="en-US" sz="1200" dirty="0"/>
+          </a:p>
+          <a:p>
+            <a:r>
+              <a:rPr lang="en-US" sz="1200" dirty="0"/>
+              <a:t>		</a:t>
+            </a:r>
             <a:endParaRPr lang="en-US" sz="1000" b="1" dirty="0"/>
           </a:p>
           <a:p>
@@ -3340,29 +3348,26 @@
               <a:t>	 MSc	 </a:t>
             </a:r>
             <a:r>
+              <a:rPr lang="en-US" sz="1200"/>
+              <a:t>Biochemistry / </a:t>
+            </a:r>
+            <a:r>
+              <a:rPr lang="en-US" sz="1200" dirty="0"/>
+              <a:t>Molecular Biology </a:t>
+            </a:r>
+            <a:r>
               <a:rPr lang="en-US" sz="1200" b="1" dirty="0"/>
-              <a:t>University of British Columbia</a:t>
-            </a:r>
-          </a:p>
-          <a:p>
-            <a:r>
-              <a:rPr lang="en-US" sz="1200" b="1" dirty="0"/>
-              <a:t>		 </a:t>
-            </a:r>
-            <a:r>
-              <a:rPr lang="en-US" sz="1200" dirty="0"/>
-              <a:t>Biochemistry &amp; Molecular Biology</a:t>
-            </a:r>
-          </a:p>
-          <a:p>
-            <a:r>
-              <a:rPr lang="en-US" sz="1200" b="1" dirty="0"/>
-              <a:t>		</a:t>
-            </a:r>
+              <a:t>			  University of British Columbia</a:t>
+            </a:r>
+          </a:p>
+          <a:p>
             <a:r>
               <a:rPr lang="en-US" sz="1000" dirty="0"/>
-              <a:t>         </a:t>
-            </a:r>
+              <a:t>     </a:t>
+            </a:r>
+          </a:p>
+          <a:p>
+            <a:endParaRPr lang="en-US" sz="400" dirty="0"/>
           </a:p>
           <a:p>
             <a:endParaRPr lang="en-US" sz="400" dirty="0"/>
@@ -3373,6 +3378,32 @@
               <a:t>	  BSc	 </a:t>
             </a:r>
             <a:r>
+              <a:rPr lang="en-US" sz="1200" dirty="0"/>
+              <a:t>Biochemistry</a:t>
+            </a:r>
+            <a:r>
+              <a:rPr lang="en-US" sz="1200" b="1" dirty="0"/>
+              <a:t> </a:t>
+            </a:r>
+            <a:r>
+              <a:rPr lang="en-US" sz="1200" i="1" dirty="0"/>
+              <a:t>(</a:t>
+            </a:r>
+            <a:r>
+              <a:rPr lang="en-US" sz="1200" i="1" dirty="0" err="1"/>
+              <a:t>Honours</a:t>
+            </a:r>
+            <a:r>
+              <a:rPr lang="en-US" sz="1200" i="1" dirty="0"/>
+              <a:t>)</a:t>
+            </a:r>
+          </a:p>
+          <a:p>
+            <a:r>
+              <a:rPr lang="en-US" sz="1200" b="1" dirty="0"/>
+              <a:t>		  </a:t>
+            </a:r>
+            <a:r>
               <a:rPr lang="en-US" sz="1200" b="1" dirty="0" err="1"/>
               <a:t>Université</a:t>
             </a:r>
@@ -3384,33 +3415,7 @@
           <a:p>
             <a:r>
               <a:rPr lang="en-US" sz="1200" b="1" dirty="0"/>
-              <a:t>		 </a:t>
-            </a:r>
-            <a:r>
-              <a:rPr lang="en-US" sz="1200" dirty="0"/>
-              <a:t>Biochemistry</a:t>
-            </a:r>
-            <a:r>
-              <a:rPr lang="en-US" sz="1200" b="1" dirty="0"/>
-              <a:t> </a:t>
-            </a:r>
-            <a:r>
-              <a:rPr lang="en-US" sz="1200" i="1" dirty="0"/>
-              <a:t>(</a:t>
-            </a:r>
-            <a:r>
-              <a:rPr lang="en-US" sz="1200" i="1" dirty="0" err="1"/>
-              <a:t>Honours</a:t>
-            </a:r>
-            <a:r>
-              <a:rPr lang="en-US" sz="1200" i="1" dirty="0"/>
-              <a:t>)</a:t>
-            </a:r>
-          </a:p>
-          <a:p>
-            <a:r>
-              <a:rPr lang="en-US" sz="1200" b="1" dirty="0"/>
-              <a:t>		</a:t>
+              <a:t>		 		</a:t>
             </a:r>
             <a:endParaRPr lang="en-US" sz="1200" dirty="0"/>
           </a:p>
@@ -5226,7 +5231,7 @@
                   <a:schemeClr val="tx1"/>
                 </a:solidFill>
               </a:rPr>
-              <a:t>Selected from 63 peer-reviewed,  23 lead author, *co-first </a:t>
+              <a:t>Selected from 70 peer-reviewed,  23 lead author, *co-first </a:t>
             </a:r>
           </a:p>
         </p:txBody>

--- a/cv/CV_RWARREN_PPTanonym.pptx
+++ b/cv/CV_RWARREN_PPTanonym.pptx
@@ -304,7 +304,7 @@
           <a:p>
             <a:fld id="{12CDA68D-1A1F-6346-A281-652CBF222AD7}" type="datetimeFigureOut">
               <a:rPr lang="en-US" smtClean="0"/>
-              <a:t>5/15/20</a:t>
+              <a:t>5/16/20</a:t>
             </a:fld>
             <a:endParaRPr lang="en-US"/>
           </a:p>
@@ -474,7 +474,7 @@
           <a:p>
             <a:fld id="{12CDA68D-1A1F-6346-A281-652CBF222AD7}" type="datetimeFigureOut">
               <a:rPr lang="en-US" smtClean="0"/>
-              <a:t>5/15/20</a:t>
+              <a:t>5/16/20</a:t>
             </a:fld>
             <a:endParaRPr lang="en-US"/>
           </a:p>
@@ -654,7 +654,7 @@
           <a:p>
             <a:fld id="{12CDA68D-1A1F-6346-A281-652CBF222AD7}" type="datetimeFigureOut">
               <a:rPr lang="en-US" smtClean="0"/>
-              <a:t>5/15/20</a:t>
+              <a:t>5/16/20</a:t>
             </a:fld>
             <a:endParaRPr lang="en-US"/>
           </a:p>
@@ -824,7 +824,7 @@
           <a:p>
             <a:fld id="{12CDA68D-1A1F-6346-A281-652CBF222AD7}" type="datetimeFigureOut">
               <a:rPr lang="en-US" smtClean="0"/>
-              <a:t>5/15/20</a:t>
+              <a:t>5/16/20</a:t>
             </a:fld>
             <a:endParaRPr lang="en-US"/>
           </a:p>
@@ -1070,7 +1070,7 @@
           <a:p>
             <a:fld id="{12CDA68D-1A1F-6346-A281-652CBF222AD7}" type="datetimeFigureOut">
               <a:rPr lang="en-US" smtClean="0"/>
-              <a:t>5/15/20</a:t>
+              <a:t>5/16/20</a:t>
             </a:fld>
             <a:endParaRPr lang="en-US"/>
           </a:p>
@@ -1358,7 +1358,7 @@
           <a:p>
             <a:fld id="{12CDA68D-1A1F-6346-A281-652CBF222AD7}" type="datetimeFigureOut">
               <a:rPr lang="en-US" smtClean="0"/>
-              <a:t>5/15/20</a:t>
+              <a:t>5/16/20</a:t>
             </a:fld>
             <a:endParaRPr lang="en-US"/>
           </a:p>
@@ -1785,7 +1785,7 @@
           <a:p>
             <a:fld id="{12CDA68D-1A1F-6346-A281-652CBF222AD7}" type="datetimeFigureOut">
               <a:rPr lang="en-US" smtClean="0"/>
-              <a:t>5/15/20</a:t>
+              <a:t>5/16/20</a:t>
             </a:fld>
             <a:endParaRPr lang="en-US"/>
           </a:p>
@@ -1903,7 +1903,7 @@
           <a:p>
             <a:fld id="{12CDA68D-1A1F-6346-A281-652CBF222AD7}" type="datetimeFigureOut">
               <a:rPr lang="en-US" smtClean="0"/>
-              <a:t>5/15/20</a:t>
+              <a:t>5/16/20</a:t>
             </a:fld>
             <a:endParaRPr lang="en-US"/>
           </a:p>
@@ -1998,7 +1998,7 @@
           <a:p>
             <a:fld id="{12CDA68D-1A1F-6346-A281-652CBF222AD7}" type="datetimeFigureOut">
               <a:rPr lang="en-US" smtClean="0"/>
-              <a:t>5/15/20</a:t>
+              <a:t>5/16/20</a:t>
             </a:fld>
             <a:endParaRPr lang="en-US"/>
           </a:p>
@@ -2275,7 +2275,7 @@
           <a:p>
             <a:fld id="{12CDA68D-1A1F-6346-A281-652CBF222AD7}" type="datetimeFigureOut">
               <a:rPr lang="en-US" smtClean="0"/>
-              <a:t>5/15/20</a:t>
+              <a:t>5/16/20</a:t>
             </a:fld>
             <a:endParaRPr lang="en-US"/>
           </a:p>
@@ -2528,7 +2528,7 @@
           <a:p>
             <a:fld id="{12CDA68D-1A1F-6346-A281-652CBF222AD7}" type="datetimeFigureOut">
               <a:rPr lang="en-US" smtClean="0"/>
-              <a:t>5/15/20</a:t>
+              <a:t>5/16/20</a:t>
             </a:fld>
             <a:endParaRPr lang="en-US"/>
           </a:p>
@@ -2741,7 +2741,7 @@
           <a:p>
             <a:fld id="{12CDA68D-1A1F-6346-A281-652CBF222AD7}" type="datetimeFigureOut">
               <a:rPr lang="en-US" smtClean="0"/>
-              <a:t>5/15/20</a:t>
+              <a:t>5/16/20</a:t>
             </a:fld>
             <a:endParaRPr lang="en-US"/>
           </a:p>
@@ -5231,7 +5231,23 @@
                   <a:schemeClr val="tx1"/>
                 </a:solidFill>
               </a:rPr>
-              <a:t>Selected from 70 peer-reviewed,  23 lead author, *co-first </a:t>
+              <a:t>Selected from 70 peer-reviewed</a:t>
+            </a:r>
+            <a:r>
+              <a:rPr lang="en-US" sz="1000" b="1" i="1">
+                <a:solidFill>
+                  <a:schemeClr val="tx1"/>
+                </a:solidFill>
+              </a:rPr>
+              <a:t>,  24 </a:t>
+            </a:r>
+            <a:r>
+              <a:rPr lang="en-US" sz="1000" b="1" i="1" dirty="0">
+                <a:solidFill>
+                  <a:schemeClr val="tx1"/>
+                </a:solidFill>
+              </a:rPr>
+              <a:t>lead author, *co-first </a:t>
             </a:r>
           </a:p>
         </p:txBody>

--- a/cv/CV_RWARREN_PPTanonym.pptx
+++ b/cv/CV_RWARREN_PPTanonym.pptx
@@ -304,7 +304,7 @@
           <a:p>
             <a:fld id="{12CDA68D-1A1F-6346-A281-652CBF222AD7}" type="datetimeFigureOut">
               <a:rPr lang="en-US" smtClean="0"/>
-              <a:t>5/16/20</a:t>
+              <a:t>5/18/20</a:t>
             </a:fld>
             <a:endParaRPr lang="en-US"/>
           </a:p>
@@ -474,7 +474,7 @@
           <a:p>
             <a:fld id="{12CDA68D-1A1F-6346-A281-652CBF222AD7}" type="datetimeFigureOut">
               <a:rPr lang="en-US" smtClean="0"/>
-              <a:t>5/16/20</a:t>
+              <a:t>5/18/20</a:t>
             </a:fld>
             <a:endParaRPr lang="en-US"/>
           </a:p>
@@ -654,7 +654,7 @@
           <a:p>
             <a:fld id="{12CDA68D-1A1F-6346-A281-652CBF222AD7}" type="datetimeFigureOut">
               <a:rPr lang="en-US" smtClean="0"/>
-              <a:t>5/16/20</a:t>
+              <a:t>5/18/20</a:t>
             </a:fld>
             <a:endParaRPr lang="en-US"/>
           </a:p>
@@ -824,7 +824,7 @@
           <a:p>
             <a:fld id="{12CDA68D-1A1F-6346-A281-652CBF222AD7}" type="datetimeFigureOut">
               <a:rPr lang="en-US" smtClean="0"/>
-              <a:t>5/16/20</a:t>
+              <a:t>5/18/20</a:t>
             </a:fld>
             <a:endParaRPr lang="en-US"/>
           </a:p>
@@ -1070,7 +1070,7 @@
           <a:p>
             <a:fld id="{12CDA68D-1A1F-6346-A281-652CBF222AD7}" type="datetimeFigureOut">
               <a:rPr lang="en-US" smtClean="0"/>
-              <a:t>5/16/20</a:t>
+              <a:t>5/18/20</a:t>
             </a:fld>
             <a:endParaRPr lang="en-US"/>
           </a:p>
@@ -1358,7 +1358,7 @@
           <a:p>
             <a:fld id="{12CDA68D-1A1F-6346-A281-652CBF222AD7}" type="datetimeFigureOut">
               <a:rPr lang="en-US" smtClean="0"/>
-              <a:t>5/16/20</a:t>
+              <a:t>5/18/20</a:t>
             </a:fld>
             <a:endParaRPr lang="en-US"/>
           </a:p>
@@ -1785,7 +1785,7 @@
           <a:p>
             <a:fld id="{12CDA68D-1A1F-6346-A281-652CBF222AD7}" type="datetimeFigureOut">
               <a:rPr lang="en-US" smtClean="0"/>
-              <a:t>5/16/20</a:t>
+              <a:t>5/18/20</a:t>
             </a:fld>
             <a:endParaRPr lang="en-US"/>
           </a:p>
@@ -1903,7 +1903,7 @@
           <a:p>
             <a:fld id="{12CDA68D-1A1F-6346-A281-652CBF222AD7}" type="datetimeFigureOut">
               <a:rPr lang="en-US" smtClean="0"/>
-              <a:t>5/16/20</a:t>
+              <a:t>5/18/20</a:t>
             </a:fld>
             <a:endParaRPr lang="en-US"/>
           </a:p>
@@ -1998,7 +1998,7 @@
           <a:p>
             <a:fld id="{12CDA68D-1A1F-6346-A281-652CBF222AD7}" type="datetimeFigureOut">
               <a:rPr lang="en-US" smtClean="0"/>
-              <a:t>5/16/20</a:t>
+              <a:t>5/18/20</a:t>
             </a:fld>
             <a:endParaRPr lang="en-US"/>
           </a:p>
@@ -2275,7 +2275,7 @@
           <a:p>
             <a:fld id="{12CDA68D-1A1F-6346-A281-652CBF222AD7}" type="datetimeFigureOut">
               <a:rPr lang="en-US" smtClean="0"/>
-              <a:t>5/16/20</a:t>
+              <a:t>5/18/20</a:t>
             </a:fld>
             <a:endParaRPr lang="en-US"/>
           </a:p>
@@ -2528,7 +2528,7 @@
           <a:p>
             <a:fld id="{12CDA68D-1A1F-6346-A281-652CBF222AD7}" type="datetimeFigureOut">
               <a:rPr lang="en-US" smtClean="0"/>
-              <a:t>5/16/20</a:t>
+              <a:t>5/18/20</a:t>
             </a:fld>
             <a:endParaRPr lang="en-US"/>
           </a:p>
@@ -2741,7 +2741,7 @@
           <a:p>
             <a:fld id="{12CDA68D-1A1F-6346-A281-652CBF222AD7}" type="datetimeFigureOut">
               <a:rPr lang="en-US" smtClean="0"/>
-              <a:t>5/16/20</a:t>
+              <a:t>5/18/20</a:t>
             </a:fld>
             <a:endParaRPr lang="en-US"/>
           </a:p>
@@ -5231,23 +5231,7 @@
                   <a:schemeClr val="tx1"/>
                 </a:solidFill>
               </a:rPr>
-              <a:t>Selected from 70 peer-reviewed</a:t>
-            </a:r>
-            <a:r>
-              <a:rPr lang="en-US" sz="1000" b="1" i="1">
-                <a:solidFill>
-                  <a:schemeClr val="tx1"/>
-                </a:solidFill>
-              </a:rPr>
-              <a:t>,  24 </a:t>
-            </a:r>
-            <a:r>
-              <a:rPr lang="en-US" sz="1000" b="1" i="1" dirty="0">
-                <a:solidFill>
-                  <a:schemeClr val="tx1"/>
-                </a:solidFill>
-              </a:rPr>
-              <a:t>lead author, *co-first </a:t>
+              <a:t>Selected from 70 peer-reviewed,  24 lead author, *co-first </a:t>
             </a:r>
           </a:p>
         </p:txBody>

--- a/cv/CV_RWARREN_PPTanonym.pptx
+++ b/cv/CV_RWARREN_PPTanonym.pptx
@@ -304,7 +304,7 @@
           <a:p>
             <a:fld id="{12CDA68D-1A1F-6346-A281-652CBF222AD7}" type="datetimeFigureOut">
               <a:rPr lang="en-US" smtClean="0"/>
-              <a:t>5/18/20</a:t>
+              <a:t>8/21/20</a:t>
             </a:fld>
             <a:endParaRPr lang="en-US"/>
           </a:p>
@@ -474,7 +474,7 @@
           <a:p>
             <a:fld id="{12CDA68D-1A1F-6346-A281-652CBF222AD7}" type="datetimeFigureOut">
               <a:rPr lang="en-US" smtClean="0"/>
-              <a:t>5/18/20</a:t>
+              <a:t>8/21/20</a:t>
             </a:fld>
             <a:endParaRPr lang="en-US"/>
           </a:p>
@@ -654,7 +654,7 @@
           <a:p>
             <a:fld id="{12CDA68D-1A1F-6346-A281-652CBF222AD7}" type="datetimeFigureOut">
               <a:rPr lang="en-US" smtClean="0"/>
-              <a:t>5/18/20</a:t>
+              <a:t>8/21/20</a:t>
             </a:fld>
             <a:endParaRPr lang="en-US"/>
           </a:p>
@@ -824,7 +824,7 @@
           <a:p>
             <a:fld id="{12CDA68D-1A1F-6346-A281-652CBF222AD7}" type="datetimeFigureOut">
               <a:rPr lang="en-US" smtClean="0"/>
-              <a:t>5/18/20</a:t>
+              <a:t>8/21/20</a:t>
             </a:fld>
             <a:endParaRPr lang="en-US"/>
           </a:p>
@@ -1070,7 +1070,7 @@
           <a:p>
             <a:fld id="{12CDA68D-1A1F-6346-A281-652CBF222AD7}" type="datetimeFigureOut">
               <a:rPr lang="en-US" smtClean="0"/>
-              <a:t>5/18/20</a:t>
+              <a:t>8/21/20</a:t>
             </a:fld>
             <a:endParaRPr lang="en-US"/>
           </a:p>
@@ -1358,7 +1358,7 @@
           <a:p>
             <a:fld id="{12CDA68D-1A1F-6346-A281-652CBF222AD7}" type="datetimeFigureOut">
               <a:rPr lang="en-US" smtClean="0"/>
-              <a:t>5/18/20</a:t>
+              <a:t>8/21/20</a:t>
             </a:fld>
             <a:endParaRPr lang="en-US"/>
           </a:p>
@@ -1785,7 +1785,7 @@
           <a:p>
             <a:fld id="{12CDA68D-1A1F-6346-A281-652CBF222AD7}" type="datetimeFigureOut">
               <a:rPr lang="en-US" smtClean="0"/>
-              <a:t>5/18/20</a:t>
+              <a:t>8/21/20</a:t>
             </a:fld>
             <a:endParaRPr lang="en-US"/>
           </a:p>
@@ -1903,7 +1903,7 @@
           <a:p>
             <a:fld id="{12CDA68D-1A1F-6346-A281-652CBF222AD7}" type="datetimeFigureOut">
               <a:rPr lang="en-US" smtClean="0"/>
-              <a:t>5/18/20</a:t>
+              <a:t>8/21/20</a:t>
             </a:fld>
             <a:endParaRPr lang="en-US"/>
           </a:p>
@@ -1998,7 +1998,7 @@
           <a:p>
             <a:fld id="{12CDA68D-1A1F-6346-A281-652CBF222AD7}" type="datetimeFigureOut">
               <a:rPr lang="en-US" smtClean="0"/>
-              <a:t>5/18/20</a:t>
+              <a:t>8/21/20</a:t>
             </a:fld>
             <a:endParaRPr lang="en-US"/>
           </a:p>
@@ -2275,7 +2275,7 @@
           <a:p>
             <a:fld id="{12CDA68D-1A1F-6346-A281-652CBF222AD7}" type="datetimeFigureOut">
               <a:rPr lang="en-US" smtClean="0"/>
-              <a:t>5/18/20</a:t>
+              <a:t>8/21/20</a:t>
             </a:fld>
             <a:endParaRPr lang="en-US"/>
           </a:p>
@@ -2528,7 +2528,7 @@
           <a:p>
             <a:fld id="{12CDA68D-1A1F-6346-A281-652CBF222AD7}" type="datetimeFigureOut">
               <a:rPr lang="en-US" smtClean="0"/>
-              <a:t>5/18/20</a:t>
+              <a:t>8/21/20</a:t>
             </a:fld>
             <a:endParaRPr lang="en-US"/>
           </a:p>
@@ -2741,7 +2741,7 @@
           <a:p>
             <a:fld id="{12CDA68D-1A1F-6346-A281-652CBF222AD7}" type="datetimeFigureOut">
               <a:rPr lang="en-US" smtClean="0"/>
-              <a:t>5/18/20</a:t>
+              <a:t>8/21/20</a:t>
             </a:fld>
             <a:endParaRPr lang="en-US"/>
           </a:p>
@@ -5231,7 +5231,7 @@
                   <a:schemeClr val="tx1"/>
                 </a:solidFill>
               </a:rPr>
-              <a:t>Selected from 70 peer-reviewed,  24 lead author, *co-first </a:t>
+              <a:t>Selected from 70 peer-reviewed,  25 lead author, *co-first </a:t>
             </a:r>
           </a:p>
         </p:txBody>

--- a/cv/CV_RWARREN_PPTanonym.pptx
+++ b/cv/CV_RWARREN_PPTanonym.pptx
@@ -304,7 +304,7 @@
           <a:p>
             <a:fld id="{12CDA68D-1A1F-6346-A281-652CBF222AD7}" type="datetimeFigureOut">
               <a:rPr lang="en-US" smtClean="0"/>
-              <a:t>8/21/20</a:t>
+              <a:t>1/24/21</a:t>
             </a:fld>
             <a:endParaRPr lang="en-US"/>
           </a:p>
@@ -474,7 +474,7 @@
           <a:p>
             <a:fld id="{12CDA68D-1A1F-6346-A281-652CBF222AD7}" type="datetimeFigureOut">
               <a:rPr lang="en-US" smtClean="0"/>
-              <a:t>8/21/20</a:t>
+              <a:t>1/24/21</a:t>
             </a:fld>
             <a:endParaRPr lang="en-US"/>
           </a:p>
@@ -654,7 +654,7 @@
           <a:p>
             <a:fld id="{12CDA68D-1A1F-6346-A281-652CBF222AD7}" type="datetimeFigureOut">
               <a:rPr lang="en-US" smtClean="0"/>
-              <a:t>8/21/20</a:t>
+              <a:t>1/24/21</a:t>
             </a:fld>
             <a:endParaRPr lang="en-US"/>
           </a:p>
@@ -824,7 +824,7 @@
           <a:p>
             <a:fld id="{12CDA68D-1A1F-6346-A281-652CBF222AD7}" type="datetimeFigureOut">
               <a:rPr lang="en-US" smtClean="0"/>
-              <a:t>8/21/20</a:t>
+              <a:t>1/24/21</a:t>
             </a:fld>
             <a:endParaRPr lang="en-US"/>
           </a:p>
@@ -1070,7 +1070,7 @@
           <a:p>
             <a:fld id="{12CDA68D-1A1F-6346-A281-652CBF222AD7}" type="datetimeFigureOut">
               <a:rPr lang="en-US" smtClean="0"/>
-              <a:t>8/21/20</a:t>
+              <a:t>1/24/21</a:t>
             </a:fld>
             <a:endParaRPr lang="en-US"/>
           </a:p>
@@ -1358,7 +1358,7 @@
           <a:p>
             <a:fld id="{12CDA68D-1A1F-6346-A281-652CBF222AD7}" type="datetimeFigureOut">
               <a:rPr lang="en-US" smtClean="0"/>
-              <a:t>8/21/20</a:t>
+              <a:t>1/24/21</a:t>
             </a:fld>
             <a:endParaRPr lang="en-US"/>
           </a:p>
@@ -1785,7 +1785,7 @@
           <a:p>
             <a:fld id="{12CDA68D-1A1F-6346-A281-652CBF222AD7}" type="datetimeFigureOut">
               <a:rPr lang="en-US" smtClean="0"/>
-              <a:t>8/21/20</a:t>
+              <a:t>1/24/21</a:t>
             </a:fld>
             <a:endParaRPr lang="en-US"/>
           </a:p>
@@ -1903,7 +1903,7 @@
           <a:p>
             <a:fld id="{12CDA68D-1A1F-6346-A281-652CBF222AD7}" type="datetimeFigureOut">
               <a:rPr lang="en-US" smtClean="0"/>
-              <a:t>8/21/20</a:t>
+              <a:t>1/24/21</a:t>
             </a:fld>
             <a:endParaRPr lang="en-US"/>
           </a:p>
@@ -1998,7 +1998,7 @@
           <a:p>
             <a:fld id="{12CDA68D-1A1F-6346-A281-652CBF222AD7}" type="datetimeFigureOut">
               <a:rPr lang="en-US" smtClean="0"/>
-              <a:t>8/21/20</a:t>
+              <a:t>1/24/21</a:t>
             </a:fld>
             <a:endParaRPr lang="en-US"/>
           </a:p>
@@ -2275,7 +2275,7 @@
           <a:p>
             <a:fld id="{12CDA68D-1A1F-6346-A281-652CBF222AD7}" type="datetimeFigureOut">
               <a:rPr lang="en-US" smtClean="0"/>
-              <a:t>8/21/20</a:t>
+              <a:t>1/24/21</a:t>
             </a:fld>
             <a:endParaRPr lang="en-US"/>
           </a:p>
@@ -2528,7 +2528,7 @@
           <a:p>
             <a:fld id="{12CDA68D-1A1F-6346-A281-652CBF222AD7}" type="datetimeFigureOut">
               <a:rPr lang="en-US" smtClean="0"/>
-              <a:t>8/21/20</a:t>
+              <a:t>1/24/21</a:t>
             </a:fld>
             <a:endParaRPr lang="en-US"/>
           </a:p>
@@ -2741,7 +2741,7 @@
           <a:p>
             <a:fld id="{12CDA68D-1A1F-6346-A281-652CBF222AD7}" type="datetimeFigureOut">
               <a:rPr lang="en-US" smtClean="0"/>
-              <a:t>8/21/20</a:t>
+              <a:t>1/24/21</a:t>
             </a:fld>
             <a:endParaRPr lang="en-US"/>
           </a:p>
@@ -3348,12 +3348,8 @@
               <a:t>	 MSc	 </a:t>
             </a:r>
             <a:r>
-              <a:rPr lang="en-US" sz="1200"/>
-              <a:t>Biochemistry / </a:t>
-            </a:r>
-            <a:r>
               <a:rPr lang="en-US" sz="1200" dirty="0"/>
-              <a:t>Molecular Biology </a:t>
+              <a:t>Biochemistry / Molecular Biology </a:t>
             </a:r>
             <a:r>
               <a:rPr lang="en-US" sz="1200" b="1" dirty="0"/>
@@ -4005,12 +4001,12 @@
               <a:t> </a:t>
             </a:r>
             <a:r>
-              <a:rPr lang="en-US" sz="1350" i="1" dirty="0" err="1"/>
+              <a:rPr lang="en-US" sz="1350" i="1" dirty="0"/>
               <a:t>Fusobacterium</a:t>
             </a:r>
             <a:r>
               <a:rPr lang="en-US" sz="1350" dirty="0"/>
-              <a:t> in colon cancer, Time Magazine's 2011 top 10 breakthrough</a:t>
+              <a:t> in colon cancer, a Time Magazine's 2011 top ten breakthrough</a:t>
             </a:r>
           </a:p>
           <a:p>
@@ -4733,7 +4729,7 @@
             </a:r>
             <a:r>
               <a:rPr lang="de-DE" sz="900" dirty="0"/>
-              <a:t>  SAM SSAKE TASR </a:t>
+              <a:t> SSAKE TASR </a:t>
             </a:r>
             <a:r>
               <a:rPr lang="de-DE" sz="900" dirty="0" err="1"/>
@@ -4746,6 +4742,14 @@
             <a:r>
               <a:rPr lang="de-DE" sz="900" dirty="0" err="1"/>
               <a:t>ntEdit</a:t>
+            </a:r>
+            <a:r>
+              <a:rPr lang="de-DE" sz="900" dirty="0"/>
+              <a:t> </a:t>
+            </a:r>
+            <a:r>
+              <a:rPr lang="de-DE" sz="900" dirty="0" err="1"/>
+              <a:t>ntJoin</a:t>
             </a:r>
             <a:endParaRPr lang="en-US" sz="900" dirty="0"/>
           </a:p>
@@ -4939,7 +4943,7 @@
             </a:r>
             <a:r>
               <a:rPr lang="en-US" sz="1000" dirty="0"/>
-              <a:t> 2015. LINKS: Scalable, alignment-free  </a:t>
+              <a:t> 2015. LINKS: scalable, alignment-free  </a:t>
             </a:r>
           </a:p>
           <a:p>
